--- a/進度報告.pptx
+++ b/進度報告.pptx
@@ -9431,69 +9431,6 @@
           </a:p>
         </p:txBody>
       </p:sp>
-      <p:sp>
-        <p:nvSpPr>
-          <p:cNvPr id="12" name="文本框 11"/>
-          <p:cNvSpPr txBox="1"/>
-          <p:nvPr/>
-        </p:nvSpPr>
-        <p:spPr>
-          <a:xfrm>
-            <a:off x="5808246" y="3612592"/>
-            <a:ext cx="4671068" cy="738664"/>
-          </a:xfrm>
-          <a:prstGeom prst="rect">
-            <a:avLst/>
-          </a:prstGeom>
-          <a:noFill/>
-        </p:spPr>
-        <p:txBody>
-          <a:bodyPr wrap="square" rtlCol="0">
-            <a:spAutoFit/>
-            <a:scene3d>
-              <a:camera prst="orthographicFront"/>
-              <a:lightRig rig="threePt" dir="t"/>
-            </a:scene3d>
-            <a:sp3d contourW="12700"/>
-          </a:bodyPr>
-          <a:lstStyle/>
-          <a:p>
-            <a:r>
-              <a:rPr lang="en-US" altLang="zh-CN" sz="1400" dirty="0">
-                <a:solidFill>
-                  <a:schemeClr val="tx1">
-                    <a:lumMod val="75000"/>
-                    <a:lumOff val="25000"/>
-                  </a:schemeClr>
-                </a:solidFill>
-              </a:rPr>
-              <a:t>The user can demonstrate on a projector or</a:t>
-            </a:r>
-            <a:r>
-              <a:rPr lang="zh-TW" altLang="en-US" sz="1400" dirty="0">
-                <a:solidFill>
-                  <a:schemeClr val="tx1">
-                    <a:lumMod val="75000"/>
-                    <a:lumOff val="25000"/>
-                  </a:schemeClr>
-                </a:solidFill>
-              </a:rPr>
-              <a:t> </a:t>
-            </a:r>
-            <a:r>
-              <a:rPr lang="en-US" altLang="zh-CN" sz="1400" dirty="0">
-                <a:solidFill>
-                  <a:schemeClr val="tx1">
-                    <a:lumMod val="75000"/>
-                    <a:lumOff val="25000"/>
-                  </a:schemeClr>
-                </a:solidFill>
-              </a:rPr>
-              <a:t>The user can demonstrate on a projector or computer, or print the presentation</a:t>
-            </a:r>
-          </a:p>
-        </p:txBody>
-      </p:sp>
       <p:cxnSp>
         <p:nvCxnSpPr>
           <p:cNvPr id="4" name="直接连接符 3"/>
@@ -10041,151 +9978,6 @@
                                       </p:childTnLst>
                                     </p:cTn>
                                   </p:par>
-                                  <p:par>
-                                    <p:cTn id="21" presetID="41" presetClass="entr" presetSubtype="0" fill="hold" grpId="0" nodeType="withEffect">
-                                      <p:stCondLst>
-                                        <p:cond delay="250"/>
-                                      </p:stCondLst>
-                                      <p:iterate type="lt">
-                                        <p:tmPct val="10000"/>
-                                      </p:iterate>
-                                      <p:childTnLst>
-                                        <p:set>
-                                          <p:cBhvr>
-                                            <p:cTn id="22" dur="1" fill="hold">
-                                              <p:stCondLst>
-                                                <p:cond delay="0"/>
-                                              </p:stCondLst>
-                                            </p:cTn>
-                                            <p:tgtEl>
-                                              <p:spTgt spid="12"/>
-                                            </p:tgtEl>
-                                            <p:attrNameLst>
-                                              <p:attrName>style.visibility</p:attrName>
-                                            </p:attrNameLst>
-                                          </p:cBhvr>
-                                          <p:to>
-                                            <p:strVal val="visible"/>
-                                          </p:to>
-                                        </p:set>
-                                        <p:anim calcmode="lin" valueType="num">
-                                          <p:cBhvr>
-                                            <p:cTn id="23" dur="500" fill="hold"/>
-                                            <p:tgtEl>
-                                              <p:spTgt spid="12"/>
-                                            </p:tgtEl>
-                                            <p:attrNameLst>
-                                              <p:attrName>ppt_x</p:attrName>
-                                            </p:attrNameLst>
-                                          </p:cBhvr>
-                                          <p:tavLst>
-                                            <p:tav tm="0">
-                                              <p:val>
-                                                <p:strVal val="#ppt_x"/>
-                                              </p:val>
-                                            </p:tav>
-                                            <p:tav tm="50000">
-                                              <p:val>
-                                                <p:strVal val="#ppt_x+.1"/>
-                                              </p:val>
-                                            </p:tav>
-                                            <p:tav tm="100000">
-                                              <p:val>
-                                                <p:strVal val="#ppt_x"/>
-                                              </p:val>
-                                            </p:tav>
-                                          </p:tavLst>
-                                        </p:anim>
-                                        <p:anim calcmode="lin" valueType="num">
-                                          <p:cBhvr>
-                                            <p:cTn id="24" dur="500" fill="hold"/>
-                                            <p:tgtEl>
-                                              <p:spTgt spid="12"/>
-                                            </p:tgtEl>
-                                            <p:attrNameLst>
-                                              <p:attrName>ppt_y</p:attrName>
-                                            </p:attrNameLst>
-                                          </p:cBhvr>
-                                          <p:tavLst>
-                                            <p:tav tm="0">
-                                              <p:val>
-                                                <p:strVal val="#ppt_y"/>
-                                              </p:val>
-                                            </p:tav>
-                                            <p:tav tm="100000">
-                                              <p:val>
-                                                <p:strVal val="#ppt_y"/>
-                                              </p:val>
-                                            </p:tav>
-                                          </p:tavLst>
-                                        </p:anim>
-                                        <p:anim calcmode="lin" valueType="num">
-                                          <p:cBhvr>
-                                            <p:cTn id="25" dur="500" fill="hold"/>
-                                            <p:tgtEl>
-                                              <p:spTgt spid="12"/>
-                                            </p:tgtEl>
-                                            <p:attrNameLst>
-                                              <p:attrName>ppt_h</p:attrName>
-                                            </p:attrNameLst>
-                                          </p:cBhvr>
-                                          <p:tavLst>
-                                            <p:tav tm="0">
-                                              <p:val>
-                                                <p:strVal val="#ppt_h/10"/>
-                                              </p:val>
-                                            </p:tav>
-                                            <p:tav tm="50000">
-                                              <p:val>
-                                                <p:strVal val="#ppt_h+.01"/>
-                                              </p:val>
-                                            </p:tav>
-                                            <p:tav tm="100000">
-                                              <p:val>
-                                                <p:strVal val="#ppt_h"/>
-                                              </p:val>
-                                            </p:tav>
-                                          </p:tavLst>
-                                        </p:anim>
-                                        <p:anim calcmode="lin" valueType="num">
-                                          <p:cBhvr>
-                                            <p:cTn id="26" dur="500" fill="hold"/>
-                                            <p:tgtEl>
-                                              <p:spTgt spid="12"/>
-                                            </p:tgtEl>
-                                            <p:attrNameLst>
-                                              <p:attrName>ppt_w</p:attrName>
-                                            </p:attrNameLst>
-                                          </p:cBhvr>
-                                          <p:tavLst>
-                                            <p:tav tm="0">
-                                              <p:val>
-                                                <p:strVal val="#ppt_w/10"/>
-                                              </p:val>
-                                            </p:tav>
-                                            <p:tav tm="50000">
-                                              <p:val>
-                                                <p:strVal val="#ppt_w+.01"/>
-                                              </p:val>
-                                            </p:tav>
-                                            <p:tav tm="100000">
-                                              <p:val>
-                                                <p:strVal val="#ppt_w"/>
-                                              </p:val>
-                                            </p:tav>
-                                          </p:tavLst>
-                                        </p:anim>
-                                        <p:animEffect transition="in" filter="fade">
-                                          <p:cBhvr>
-                                            <p:cTn id="27" dur="500" tmFilter="0,0; .5, 1; 1, 1"/>
-                                            <p:tgtEl>
-                                              <p:spTgt spid="12"/>
-                                            </p:tgtEl>
-                                          </p:cBhvr>
-                                        </p:animEffect>
-                                      </p:childTnLst>
-                                    </p:cTn>
-                                  </p:par>
                                 </p:childTnLst>
                               </p:cTn>
                             </p:par>
@@ -10215,7 +10007,6 @@
         </p:tnLst>
         <p:bldLst>
           <p:bldP spid="11" grpId="0"/>
-          <p:bldP spid="12" grpId="0"/>
         </p:bldLst>
       </p:timing>
     </mc:Choice>
@@ -10514,151 +10305,6 @@
                                       </p:childTnLst>
                                     </p:cTn>
                                   </p:par>
-                                  <p:par>
-                                    <p:cTn id="21" presetID="41" presetClass="entr" presetSubtype="0" fill="hold" grpId="0" nodeType="withEffect">
-                                      <p:stCondLst>
-                                        <p:cond delay="250"/>
-                                      </p:stCondLst>
-                                      <p:iterate type="lt">
-                                        <p:tmPct val="10000"/>
-                                      </p:iterate>
-                                      <p:childTnLst>
-                                        <p:set>
-                                          <p:cBhvr>
-                                            <p:cTn id="22" dur="1" fill="hold">
-                                              <p:stCondLst>
-                                                <p:cond delay="0"/>
-                                              </p:stCondLst>
-                                            </p:cTn>
-                                            <p:tgtEl>
-                                              <p:spTgt spid="12"/>
-                                            </p:tgtEl>
-                                            <p:attrNameLst>
-                                              <p:attrName>style.visibility</p:attrName>
-                                            </p:attrNameLst>
-                                          </p:cBhvr>
-                                          <p:to>
-                                            <p:strVal val="visible"/>
-                                          </p:to>
-                                        </p:set>
-                                        <p:anim calcmode="lin" valueType="num">
-                                          <p:cBhvr>
-                                            <p:cTn id="23" dur="500" fill="hold"/>
-                                            <p:tgtEl>
-                                              <p:spTgt spid="12"/>
-                                            </p:tgtEl>
-                                            <p:attrNameLst>
-                                              <p:attrName>ppt_x</p:attrName>
-                                            </p:attrNameLst>
-                                          </p:cBhvr>
-                                          <p:tavLst>
-                                            <p:tav tm="0">
-                                              <p:val>
-                                                <p:strVal val="#ppt_x"/>
-                                              </p:val>
-                                            </p:tav>
-                                            <p:tav tm="50000">
-                                              <p:val>
-                                                <p:strVal val="#ppt_x+.1"/>
-                                              </p:val>
-                                            </p:tav>
-                                            <p:tav tm="100000">
-                                              <p:val>
-                                                <p:strVal val="#ppt_x"/>
-                                              </p:val>
-                                            </p:tav>
-                                          </p:tavLst>
-                                        </p:anim>
-                                        <p:anim calcmode="lin" valueType="num">
-                                          <p:cBhvr>
-                                            <p:cTn id="24" dur="500" fill="hold"/>
-                                            <p:tgtEl>
-                                              <p:spTgt spid="12"/>
-                                            </p:tgtEl>
-                                            <p:attrNameLst>
-                                              <p:attrName>ppt_y</p:attrName>
-                                            </p:attrNameLst>
-                                          </p:cBhvr>
-                                          <p:tavLst>
-                                            <p:tav tm="0">
-                                              <p:val>
-                                                <p:strVal val="#ppt_y"/>
-                                              </p:val>
-                                            </p:tav>
-                                            <p:tav tm="100000">
-                                              <p:val>
-                                                <p:strVal val="#ppt_y"/>
-                                              </p:val>
-                                            </p:tav>
-                                          </p:tavLst>
-                                        </p:anim>
-                                        <p:anim calcmode="lin" valueType="num">
-                                          <p:cBhvr>
-                                            <p:cTn id="25" dur="500" fill="hold"/>
-                                            <p:tgtEl>
-                                              <p:spTgt spid="12"/>
-                                            </p:tgtEl>
-                                            <p:attrNameLst>
-                                              <p:attrName>ppt_h</p:attrName>
-                                            </p:attrNameLst>
-                                          </p:cBhvr>
-                                          <p:tavLst>
-                                            <p:tav tm="0">
-                                              <p:val>
-                                                <p:strVal val="#ppt_h/10"/>
-                                              </p:val>
-                                            </p:tav>
-                                            <p:tav tm="50000">
-                                              <p:val>
-                                                <p:strVal val="#ppt_h+.01"/>
-                                              </p:val>
-                                            </p:tav>
-                                            <p:tav tm="100000">
-                                              <p:val>
-                                                <p:strVal val="#ppt_h"/>
-                                              </p:val>
-                                            </p:tav>
-                                          </p:tavLst>
-                                        </p:anim>
-                                        <p:anim calcmode="lin" valueType="num">
-                                          <p:cBhvr>
-                                            <p:cTn id="26" dur="500" fill="hold"/>
-                                            <p:tgtEl>
-                                              <p:spTgt spid="12"/>
-                                            </p:tgtEl>
-                                            <p:attrNameLst>
-                                              <p:attrName>ppt_w</p:attrName>
-                                            </p:attrNameLst>
-                                          </p:cBhvr>
-                                          <p:tavLst>
-                                            <p:tav tm="0">
-                                              <p:val>
-                                                <p:strVal val="#ppt_w/10"/>
-                                              </p:val>
-                                            </p:tav>
-                                            <p:tav tm="50000">
-                                              <p:val>
-                                                <p:strVal val="#ppt_w+.01"/>
-                                              </p:val>
-                                            </p:tav>
-                                            <p:tav tm="100000">
-                                              <p:val>
-                                                <p:strVal val="#ppt_w"/>
-                                              </p:val>
-                                            </p:tav>
-                                          </p:tavLst>
-                                        </p:anim>
-                                        <p:animEffect transition="in" filter="fade">
-                                          <p:cBhvr>
-                                            <p:cTn id="27" dur="500" tmFilter="0,0; .5, 1; 1, 1"/>
-                                            <p:tgtEl>
-                                              <p:spTgt spid="12"/>
-                                            </p:tgtEl>
-                                          </p:cBhvr>
-                                        </p:animEffect>
-                                      </p:childTnLst>
-                                    </p:cTn>
-                                  </p:par>
                                 </p:childTnLst>
                               </p:cTn>
                             </p:par>
@@ -10688,7 +10334,6 @@
         </p:tnLst>
         <p:bldLst>
           <p:bldP spid="11" grpId="0"/>
-          <p:bldP spid="12" grpId="0"/>
         </p:bldLst>
       </p:timing>
     </mc:Fallback>
@@ -18058,47 +17703,6 @@
           </a:p>
         </p:txBody>
       </p:sp>
-      <p:sp>
-        <p:nvSpPr>
-          <p:cNvPr id="12" name="文本框 11"/>
-          <p:cNvSpPr txBox="1"/>
-          <p:nvPr/>
-        </p:nvSpPr>
-        <p:spPr>
-          <a:xfrm>
-            <a:off x="5808246" y="3612592"/>
-            <a:ext cx="4671068" cy="738664"/>
-          </a:xfrm>
-          <a:prstGeom prst="rect">
-            <a:avLst/>
-          </a:prstGeom>
-          <a:noFill/>
-        </p:spPr>
-        <p:txBody>
-          <a:bodyPr wrap="square" rtlCol="0">
-            <a:spAutoFit/>
-            <a:scene3d>
-              <a:camera prst="orthographicFront"/>
-              <a:lightRig rig="threePt" dir="t"/>
-            </a:scene3d>
-            <a:sp3d contourW="12700"/>
-          </a:bodyPr>
-          <a:lstStyle/>
-          <a:p>
-            <a:r>
-              <a:rPr lang="en-US" altLang="zh-CN" sz="1400" dirty="0">
-                <a:solidFill>
-                  <a:schemeClr val="tx1">
-                    <a:lumMod val="75000"/>
-                    <a:lumOff val="25000"/>
-                  </a:schemeClr>
-                </a:solidFill>
-              </a:rPr>
-              <a:t>The user can demonstrate on a projector or The user can demonstrate on a projector or computer, or print the presentation</a:t>
-            </a:r>
-          </a:p>
-        </p:txBody>
-      </p:sp>
       <p:cxnSp>
         <p:nvCxnSpPr>
           <p:cNvPr id="4" name="直接连接符 3"/>
@@ -18646,151 +18250,6 @@
                                       </p:childTnLst>
                                     </p:cTn>
                                   </p:par>
-                                  <p:par>
-                                    <p:cTn id="21" presetID="41" presetClass="entr" presetSubtype="0" fill="hold" grpId="0" nodeType="withEffect">
-                                      <p:stCondLst>
-                                        <p:cond delay="250"/>
-                                      </p:stCondLst>
-                                      <p:iterate type="lt">
-                                        <p:tmPct val="10000"/>
-                                      </p:iterate>
-                                      <p:childTnLst>
-                                        <p:set>
-                                          <p:cBhvr>
-                                            <p:cTn id="22" dur="1" fill="hold">
-                                              <p:stCondLst>
-                                                <p:cond delay="0"/>
-                                              </p:stCondLst>
-                                            </p:cTn>
-                                            <p:tgtEl>
-                                              <p:spTgt spid="12"/>
-                                            </p:tgtEl>
-                                            <p:attrNameLst>
-                                              <p:attrName>style.visibility</p:attrName>
-                                            </p:attrNameLst>
-                                          </p:cBhvr>
-                                          <p:to>
-                                            <p:strVal val="visible"/>
-                                          </p:to>
-                                        </p:set>
-                                        <p:anim calcmode="lin" valueType="num">
-                                          <p:cBhvr>
-                                            <p:cTn id="23" dur="500" fill="hold"/>
-                                            <p:tgtEl>
-                                              <p:spTgt spid="12"/>
-                                            </p:tgtEl>
-                                            <p:attrNameLst>
-                                              <p:attrName>ppt_x</p:attrName>
-                                            </p:attrNameLst>
-                                          </p:cBhvr>
-                                          <p:tavLst>
-                                            <p:tav tm="0">
-                                              <p:val>
-                                                <p:strVal val="#ppt_x"/>
-                                              </p:val>
-                                            </p:tav>
-                                            <p:tav tm="50000">
-                                              <p:val>
-                                                <p:strVal val="#ppt_x+.1"/>
-                                              </p:val>
-                                            </p:tav>
-                                            <p:tav tm="100000">
-                                              <p:val>
-                                                <p:strVal val="#ppt_x"/>
-                                              </p:val>
-                                            </p:tav>
-                                          </p:tavLst>
-                                        </p:anim>
-                                        <p:anim calcmode="lin" valueType="num">
-                                          <p:cBhvr>
-                                            <p:cTn id="24" dur="500" fill="hold"/>
-                                            <p:tgtEl>
-                                              <p:spTgt spid="12"/>
-                                            </p:tgtEl>
-                                            <p:attrNameLst>
-                                              <p:attrName>ppt_y</p:attrName>
-                                            </p:attrNameLst>
-                                          </p:cBhvr>
-                                          <p:tavLst>
-                                            <p:tav tm="0">
-                                              <p:val>
-                                                <p:strVal val="#ppt_y"/>
-                                              </p:val>
-                                            </p:tav>
-                                            <p:tav tm="100000">
-                                              <p:val>
-                                                <p:strVal val="#ppt_y"/>
-                                              </p:val>
-                                            </p:tav>
-                                          </p:tavLst>
-                                        </p:anim>
-                                        <p:anim calcmode="lin" valueType="num">
-                                          <p:cBhvr>
-                                            <p:cTn id="25" dur="500" fill="hold"/>
-                                            <p:tgtEl>
-                                              <p:spTgt spid="12"/>
-                                            </p:tgtEl>
-                                            <p:attrNameLst>
-                                              <p:attrName>ppt_h</p:attrName>
-                                            </p:attrNameLst>
-                                          </p:cBhvr>
-                                          <p:tavLst>
-                                            <p:tav tm="0">
-                                              <p:val>
-                                                <p:strVal val="#ppt_h/10"/>
-                                              </p:val>
-                                            </p:tav>
-                                            <p:tav tm="50000">
-                                              <p:val>
-                                                <p:strVal val="#ppt_h+.01"/>
-                                              </p:val>
-                                            </p:tav>
-                                            <p:tav tm="100000">
-                                              <p:val>
-                                                <p:strVal val="#ppt_h"/>
-                                              </p:val>
-                                            </p:tav>
-                                          </p:tavLst>
-                                        </p:anim>
-                                        <p:anim calcmode="lin" valueType="num">
-                                          <p:cBhvr>
-                                            <p:cTn id="26" dur="500" fill="hold"/>
-                                            <p:tgtEl>
-                                              <p:spTgt spid="12"/>
-                                            </p:tgtEl>
-                                            <p:attrNameLst>
-                                              <p:attrName>ppt_w</p:attrName>
-                                            </p:attrNameLst>
-                                          </p:cBhvr>
-                                          <p:tavLst>
-                                            <p:tav tm="0">
-                                              <p:val>
-                                                <p:strVal val="#ppt_w/10"/>
-                                              </p:val>
-                                            </p:tav>
-                                            <p:tav tm="50000">
-                                              <p:val>
-                                                <p:strVal val="#ppt_w+.01"/>
-                                              </p:val>
-                                            </p:tav>
-                                            <p:tav tm="100000">
-                                              <p:val>
-                                                <p:strVal val="#ppt_w"/>
-                                              </p:val>
-                                            </p:tav>
-                                          </p:tavLst>
-                                        </p:anim>
-                                        <p:animEffect transition="in" filter="fade">
-                                          <p:cBhvr>
-                                            <p:cTn id="27" dur="500" tmFilter="0,0; .5, 1; 1, 1"/>
-                                            <p:tgtEl>
-                                              <p:spTgt spid="12"/>
-                                            </p:tgtEl>
-                                          </p:cBhvr>
-                                        </p:animEffect>
-                                      </p:childTnLst>
-                                    </p:cTn>
-                                  </p:par>
                                 </p:childTnLst>
                               </p:cTn>
                             </p:par>
@@ -18820,7 +18279,6 @@
         </p:tnLst>
         <p:bldLst>
           <p:bldP spid="11" grpId="0"/>
-          <p:bldP spid="12" grpId="0"/>
         </p:bldLst>
       </p:timing>
     </mc:Choice>
@@ -19119,151 +18577,6 @@
                                       </p:childTnLst>
                                     </p:cTn>
                                   </p:par>
-                                  <p:par>
-                                    <p:cTn id="21" presetID="41" presetClass="entr" presetSubtype="0" fill="hold" grpId="0" nodeType="withEffect">
-                                      <p:stCondLst>
-                                        <p:cond delay="250"/>
-                                      </p:stCondLst>
-                                      <p:iterate type="lt">
-                                        <p:tmPct val="10000"/>
-                                      </p:iterate>
-                                      <p:childTnLst>
-                                        <p:set>
-                                          <p:cBhvr>
-                                            <p:cTn id="22" dur="1" fill="hold">
-                                              <p:stCondLst>
-                                                <p:cond delay="0"/>
-                                              </p:stCondLst>
-                                            </p:cTn>
-                                            <p:tgtEl>
-                                              <p:spTgt spid="12"/>
-                                            </p:tgtEl>
-                                            <p:attrNameLst>
-                                              <p:attrName>style.visibility</p:attrName>
-                                            </p:attrNameLst>
-                                          </p:cBhvr>
-                                          <p:to>
-                                            <p:strVal val="visible"/>
-                                          </p:to>
-                                        </p:set>
-                                        <p:anim calcmode="lin" valueType="num">
-                                          <p:cBhvr>
-                                            <p:cTn id="23" dur="500" fill="hold"/>
-                                            <p:tgtEl>
-                                              <p:spTgt spid="12"/>
-                                            </p:tgtEl>
-                                            <p:attrNameLst>
-                                              <p:attrName>ppt_x</p:attrName>
-                                            </p:attrNameLst>
-                                          </p:cBhvr>
-                                          <p:tavLst>
-                                            <p:tav tm="0">
-                                              <p:val>
-                                                <p:strVal val="#ppt_x"/>
-                                              </p:val>
-                                            </p:tav>
-                                            <p:tav tm="50000">
-                                              <p:val>
-                                                <p:strVal val="#ppt_x+.1"/>
-                                              </p:val>
-                                            </p:tav>
-                                            <p:tav tm="100000">
-                                              <p:val>
-                                                <p:strVal val="#ppt_x"/>
-                                              </p:val>
-                                            </p:tav>
-                                          </p:tavLst>
-                                        </p:anim>
-                                        <p:anim calcmode="lin" valueType="num">
-                                          <p:cBhvr>
-                                            <p:cTn id="24" dur="500" fill="hold"/>
-                                            <p:tgtEl>
-                                              <p:spTgt spid="12"/>
-                                            </p:tgtEl>
-                                            <p:attrNameLst>
-                                              <p:attrName>ppt_y</p:attrName>
-                                            </p:attrNameLst>
-                                          </p:cBhvr>
-                                          <p:tavLst>
-                                            <p:tav tm="0">
-                                              <p:val>
-                                                <p:strVal val="#ppt_y"/>
-                                              </p:val>
-                                            </p:tav>
-                                            <p:tav tm="100000">
-                                              <p:val>
-                                                <p:strVal val="#ppt_y"/>
-                                              </p:val>
-                                            </p:tav>
-                                          </p:tavLst>
-                                        </p:anim>
-                                        <p:anim calcmode="lin" valueType="num">
-                                          <p:cBhvr>
-                                            <p:cTn id="25" dur="500" fill="hold"/>
-                                            <p:tgtEl>
-                                              <p:spTgt spid="12"/>
-                                            </p:tgtEl>
-                                            <p:attrNameLst>
-                                              <p:attrName>ppt_h</p:attrName>
-                                            </p:attrNameLst>
-                                          </p:cBhvr>
-                                          <p:tavLst>
-                                            <p:tav tm="0">
-                                              <p:val>
-                                                <p:strVal val="#ppt_h/10"/>
-                                              </p:val>
-                                            </p:tav>
-                                            <p:tav tm="50000">
-                                              <p:val>
-                                                <p:strVal val="#ppt_h+.01"/>
-                                              </p:val>
-                                            </p:tav>
-                                            <p:tav tm="100000">
-                                              <p:val>
-                                                <p:strVal val="#ppt_h"/>
-                                              </p:val>
-                                            </p:tav>
-                                          </p:tavLst>
-                                        </p:anim>
-                                        <p:anim calcmode="lin" valueType="num">
-                                          <p:cBhvr>
-                                            <p:cTn id="26" dur="500" fill="hold"/>
-                                            <p:tgtEl>
-                                              <p:spTgt spid="12"/>
-                                            </p:tgtEl>
-                                            <p:attrNameLst>
-                                              <p:attrName>ppt_w</p:attrName>
-                                            </p:attrNameLst>
-                                          </p:cBhvr>
-                                          <p:tavLst>
-                                            <p:tav tm="0">
-                                              <p:val>
-                                                <p:strVal val="#ppt_w/10"/>
-                                              </p:val>
-                                            </p:tav>
-                                            <p:tav tm="50000">
-                                              <p:val>
-                                                <p:strVal val="#ppt_w+.01"/>
-                                              </p:val>
-                                            </p:tav>
-                                            <p:tav tm="100000">
-                                              <p:val>
-                                                <p:strVal val="#ppt_w"/>
-                                              </p:val>
-                                            </p:tav>
-                                          </p:tavLst>
-                                        </p:anim>
-                                        <p:animEffect transition="in" filter="fade">
-                                          <p:cBhvr>
-                                            <p:cTn id="27" dur="500" tmFilter="0,0; .5, 1; 1, 1"/>
-                                            <p:tgtEl>
-                                              <p:spTgt spid="12"/>
-                                            </p:tgtEl>
-                                          </p:cBhvr>
-                                        </p:animEffect>
-                                      </p:childTnLst>
-                                    </p:cTn>
-                                  </p:par>
                                 </p:childTnLst>
                               </p:cTn>
                             </p:par>
@@ -19293,7 +18606,6 @@
         </p:tnLst>
         <p:bldLst>
           <p:bldP spid="11" grpId="0"/>
-          <p:bldP spid="12" grpId="0"/>
         </p:bldLst>
       </p:timing>
     </mc:Fallback>
@@ -23961,124 +23273,60 @@
         <p:grpSpPr>
           <a:xfrm>
             <a:off x="7220305" y="2035293"/>
-            <a:ext cx="2426890" cy="584775"/>
+            <a:ext cx="2027741" cy="584775"/>
             <a:chOff x="6426646" y="1196311"/>
-            <a:chExt cx="2426890" cy="584775"/>
+            <a:chExt cx="2027741" cy="584775"/>
           </a:xfrm>
         </p:grpSpPr>
-        <p:grpSp>
-          <p:nvGrpSpPr>
-            <p:cNvPr id="3" name="组合 2"/>
-            <p:cNvGrpSpPr/>
+        <p:sp>
+          <p:nvSpPr>
+            <p:cNvPr id="4" name="文本框 3"/>
+            <p:cNvSpPr txBox="1"/>
             <p:nvPr/>
-          </p:nvGrpSpPr>
-          <p:grpSpPr>
+          </p:nvSpPr>
+          <p:spPr>
             <a:xfrm>
               <a:off x="6884727" y="1271088"/>
-              <a:ext cx="1968809" cy="457693"/>
-              <a:chOff x="1943100" y="3022067"/>
-              <a:chExt cx="1968809" cy="457693"/>
+              <a:ext cx="1569660" cy="461665"/>
             </a:xfrm>
-          </p:grpSpPr>
-          <p:sp>
-            <p:nvSpPr>
-              <p:cNvPr id="4" name="文本框 3"/>
-              <p:cNvSpPr txBox="1"/>
-              <p:nvPr/>
-            </p:nvSpPr>
-            <p:spPr>
-              <a:xfrm>
-                <a:off x="1943100" y="3022067"/>
-                <a:ext cx="1159292" cy="338554"/>
-              </a:xfrm>
-              <a:prstGeom prst="rect">
-                <a:avLst/>
-              </a:prstGeom>
-              <a:noFill/>
-            </p:spPr>
-            <p:txBody>
-              <a:bodyPr wrap="none" rtlCol="0">
-                <a:spAutoFit/>
-                <a:scene3d>
-                  <a:camera prst="orthographicFront"/>
-                  <a:lightRig rig="threePt" dir="t"/>
-                </a:scene3d>
-                <a:sp3d contourW="12700"/>
-              </a:bodyPr>
-              <a:lstStyle/>
-              <a:p>
-                <a:r>
-                  <a:rPr lang="zh-TW" altLang="en-US" sz="1600" b="1" spc="300" dirty="0">
-                    <a:solidFill>
-                      <a:schemeClr val="tx1">
-                        <a:lumMod val="75000"/>
-                        <a:lumOff val="25000"/>
-                      </a:schemeClr>
-                    </a:solidFill>
-                  </a:rPr>
-                  <a:t>資料來源</a:t>
-                </a:r>
-                <a:endParaRPr lang="zh-CN" altLang="en-US" sz="1600" b="1" spc="300" dirty="0">
+            <a:prstGeom prst="rect">
+              <a:avLst/>
+            </a:prstGeom>
+            <a:noFill/>
+          </p:spPr>
+          <p:txBody>
+            <a:bodyPr wrap="none" rtlCol="0">
+              <a:spAutoFit/>
+              <a:scene3d>
+                <a:camera prst="orthographicFront"/>
+                <a:lightRig rig="threePt" dir="t"/>
+              </a:scene3d>
+              <a:sp3d contourW="12700"/>
+            </a:bodyPr>
+            <a:lstStyle/>
+            <a:p>
+              <a:r>
+                <a:rPr lang="zh-TW" altLang="en-US" sz="2400" b="1" spc="300" dirty="0">
                   <a:solidFill>
                     <a:schemeClr val="tx1">
                       <a:lumMod val="75000"/>
                       <a:lumOff val="25000"/>
                     </a:schemeClr>
                   </a:solidFill>
-                </a:endParaRPr>
-              </a:p>
-            </p:txBody>
-          </p:sp>
-          <p:sp>
-            <p:nvSpPr>
-              <p:cNvPr id="5" name="文本框 4"/>
-              <p:cNvSpPr txBox="1"/>
-              <p:nvPr/>
-            </p:nvSpPr>
-            <p:spPr>
-              <a:xfrm>
-                <a:off x="1943100" y="3264316"/>
-                <a:ext cx="1968809" cy="215444"/>
-              </a:xfrm>
-              <a:prstGeom prst="rect">
-                <a:avLst/>
-              </a:prstGeom>
-              <a:noFill/>
-            </p:spPr>
-            <p:txBody>
-              <a:bodyPr wrap="none" rtlCol="0">
-                <a:spAutoFit/>
-                <a:scene3d>
-                  <a:camera prst="orthographicFront"/>
-                  <a:lightRig rig="threePt" dir="t"/>
-                </a:scene3d>
-                <a:sp3d contourW="12700"/>
-              </a:bodyPr>
-              <a:lstStyle/>
-              <a:p>
-                <a:r>
-                  <a:rPr lang="en-US" altLang="zh-CN" sz="800" dirty="0">
-                    <a:solidFill>
-                      <a:schemeClr val="tx1">
-                        <a:lumMod val="75000"/>
-                        <a:lumOff val="25000"/>
-                      </a:schemeClr>
-                    </a:solidFill>
-                  </a:rPr>
-                  <a:t>The user can demonstrate or computer</a:t>
-                </a:r>
-                <a:endParaRPr lang="zh-CN" altLang="en-US" sz="800" dirty="0">
-                  <a:solidFill>
-                    <a:schemeClr val="tx1">
-                      <a:lumMod val="75000"/>
-                      <a:lumOff val="25000"/>
-                    </a:schemeClr>
-                  </a:solidFill>
-                </a:endParaRPr>
-              </a:p>
-            </p:txBody>
-          </p:sp>
-        </p:grpSp>
+                </a:rPr>
+                <a:t>資料來源</a:t>
+              </a:r>
+              <a:endParaRPr lang="zh-CN" altLang="en-US" sz="2400" b="1" spc="300" dirty="0">
+                <a:solidFill>
+                  <a:schemeClr val="tx1">
+                    <a:lumMod val="75000"/>
+                    <a:lumOff val="25000"/>
+                  </a:schemeClr>
+                </a:solidFill>
+              </a:endParaRPr>
+            </a:p>
+          </p:txBody>
+        </p:sp>
         <p:sp>
           <p:nvSpPr>
             <p:cNvPr id="7" name="文本框 6"/>
@@ -24139,124 +23387,60 @@
         <p:grpSpPr>
           <a:xfrm>
             <a:off x="7220305" y="2849605"/>
-            <a:ext cx="2426890" cy="584775"/>
+            <a:ext cx="2027741" cy="584775"/>
             <a:chOff x="6426646" y="1196311"/>
-            <a:chExt cx="2426890" cy="584775"/>
+            <a:chExt cx="2027741" cy="584775"/>
           </a:xfrm>
         </p:grpSpPr>
-        <p:grpSp>
-          <p:nvGrpSpPr>
-            <p:cNvPr id="26" name="组合 25"/>
-            <p:cNvGrpSpPr/>
+        <p:sp>
+          <p:nvSpPr>
+            <p:cNvPr id="28" name="文本框 27"/>
+            <p:cNvSpPr txBox="1"/>
             <p:nvPr/>
-          </p:nvGrpSpPr>
-          <p:grpSpPr>
+          </p:nvSpPr>
+          <p:spPr>
             <a:xfrm>
               <a:off x="6884727" y="1271088"/>
-              <a:ext cx="1968809" cy="457693"/>
-              <a:chOff x="1943100" y="3022067"/>
-              <a:chExt cx="1968809" cy="457693"/>
+              <a:ext cx="1569660" cy="461665"/>
             </a:xfrm>
-          </p:grpSpPr>
-          <p:sp>
-            <p:nvSpPr>
-              <p:cNvPr id="28" name="文本框 27"/>
-              <p:cNvSpPr txBox="1"/>
-              <p:nvPr/>
-            </p:nvSpPr>
-            <p:spPr>
-              <a:xfrm>
-                <a:off x="1943100" y="3022067"/>
-                <a:ext cx="1159292" cy="338554"/>
-              </a:xfrm>
-              <a:prstGeom prst="rect">
-                <a:avLst/>
-              </a:prstGeom>
-              <a:noFill/>
-            </p:spPr>
-            <p:txBody>
-              <a:bodyPr wrap="none" rtlCol="0">
-                <a:spAutoFit/>
-                <a:scene3d>
-                  <a:camera prst="orthographicFront"/>
-                  <a:lightRig rig="threePt" dir="t"/>
-                </a:scene3d>
-                <a:sp3d contourW="12700"/>
-              </a:bodyPr>
-              <a:lstStyle/>
-              <a:p>
-                <a:r>
-                  <a:rPr lang="zh-TW" altLang="en-US" sz="1600" b="1" spc="300" dirty="0">
-                    <a:solidFill>
-                      <a:schemeClr val="tx1">
-                        <a:lumMod val="75000"/>
-                        <a:lumOff val="25000"/>
-                      </a:schemeClr>
-                    </a:solidFill>
-                  </a:rPr>
-                  <a:t>討論狀況</a:t>
-                </a:r>
-                <a:endParaRPr lang="zh-CN" altLang="en-US" sz="1600" b="1" spc="300" dirty="0">
+            <a:prstGeom prst="rect">
+              <a:avLst/>
+            </a:prstGeom>
+            <a:noFill/>
+          </p:spPr>
+          <p:txBody>
+            <a:bodyPr wrap="none" rtlCol="0">
+              <a:spAutoFit/>
+              <a:scene3d>
+                <a:camera prst="orthographicFront"/>
+                <a:lightRig rig="threePt" dir="t"/>
+              </a:scene3d>
+              <a:sp3d contourW="12700"/>
+            </a:bodyPr>
+            <a:lstStyle/>
+            <a:p>
+              <a:r>
+                <a:rPr lang="zh-TW" altLang="en-US" sz="2400" b="1" spc="300" dirty="0">
                   <a:solidFill>
                     <a:schemeClr val="tx1">
                       <a:lumMod val="75000"/>
                       <a:lumOff val="25000"/>
                     </a:schemeClr>
                   </a:solidFill>
-                </a:endParaRPr>
-              </a:p>
-            </p:txBody>
-          </p:sp>
-          <p:sp>
-            <p:nvSpPr>
-              <p:cNvPr id="29" name="文本框 28"/>
-              <p:cNvSpPr txBox="1"/>
-              <p:nvPr/>
-            </p:nvSpPr>
-            <p:spPr>
-              <a:xfrm>
-                <a:off x="1943100" y="3264316"/>
-                <a:ext cx="1968809" cy="215444"/>
-              </a:xfrm>
-              <a:prstGeom prst="rect">
-                <a:avLst/>
-              </a:prstGeom>
-              <a:noFill/>
-            </p:spPr>
-            <p:txBody>
-              <a:bodyPr wrap="none" rtlCol="0">
-                <a:spAutoFit/>
-                <a:scene3d>
-                  <a:camera prst="orthographicFront"/>
-                  <a:lightRig rig="threePt" dir="t"/>
-                </a:scene3d>
-                <a:sp3d contourW="12700"/>
-              </a:bodyPr>
-              <a:lstStyle/>
-              <a:p>
-                <a:r>
-                  <a:rPr lang="en-US" altLang="zh-CN" sz="800" dirty="0">
-                    <a:solidFill>
-                      <a:schemeClr val="tx1">
-                        <a:lumMod val="75000"/>
-                        <a:lumOff val="25000"/>
-                      </a:schemeClr>
-                    </a:solidFill>
-                  </a:rPr>
-                  <a:t>The user can demonstrate or computer</a:t>
-                </a:r>
-                <a:endParaRPr lang="zh-CN" altLang="en-US" sz="800" dirty="0">
-                  <a:solidFill>
-                    <a:schemeClr val="tx1">
-                      <a:lumMod val="75000"/>
-                      <a:lumOff val="25000"/>
-                    </a:schemeClr>
-                  </a:solidFill>
-                </a:endParaRPr>
-              </a:p>
-            </p:txBody>
-          </p:sp>
-        </p:grpSp>
+                </a:rPr>
+                <a:t>討論狀況</a:t>
+              </a:r>
+              <a:endParaRPr lang="zh-CN" altLang="en-US" sz="2400" b="1" spc="300" dirty="0">
+                <a:solidFill>
+                  <a:schemeClr val="tx1">
+                    <a:lumMod val="75000"/>
+                    <a:lumOff val="25000"/>
+                  </a:schemeClr>
+                </a:solidFill>
+              </a:endParaRPr>
+            </a:p>
+          </p:txBody>
+        </p:sp>
         <p:sp>
           <p:nvSpPr>
             <p:cNvPr id="27" name="文本框 26"/>
@@ -24317,124 +23501,60 @@
         <p:grpSpPr>
           <a:xfrm>
             <a:off x="7220305" y="3663917"/>
-            <a:ext cx="2426890" cy="584775"/>
+            <a:ext cx="2373990" cy="584775"/>
             <a:chOff x="6426646" y="1196311"/>
-            <a:chExt cx="2426890" cy="584775"/>
+            <a:chExt cx="2373990" cy="584775"/>
           </a:xfrm>
         </p:grpSpPr>
-        <p:grpSp>
-          <p:nvGrpSpPr>
-            <p:cNvPr id="31" name="组合 30"/>
-            <p:cNvGrpSpPr/>
+        <p:sp>
+          <p:nvSpPr>
+            <p:cNvPr id="33" name="文本框 32"/>
+            <p:cNvSpPr txBox="1"/>
             <p:nvPr/>
-          </p:nvGrpSpPr>
-          <p:grpSpPr>
+          </p:nvSpPr>
+          <p:spPr>
             <a:xfrm>
               <a:off x="6884727" y="1271088"/>
-              <a:ext cx="1968809" cy="457693"/>
-              <a:chOff x="1943100" y="3022067"/>
-              <a:chExt cx="1968809" cy="457693"/>
+              <a:ext cx="1915909" cy="461665"/>
             </a:xfrm>
-          </p:grpSpPr>
-          <p:sp>
-            <p:nvSpPr>
-              <p:cNvPr id="33" name="文本框 32"/>
-              <p:cNvSpPr txBox="1"/>
-              <p:nvPr/>
-            </p:nvSpPr>
-            <p:spPr>
-              <a:xfrm>
-                <a:off x="1943100" y="3022067"/>
-                <a:ext cx="1402948" cy="338554"/>
-              </a:xfrm>
-              <a:prstGeom prst="rect">
-                <a:avLst/>
-              </a:prstGeom>
-              <a:noFill/>
-            </p:spPr>
-            <p:txBody>
-              <a:bodyPr wrap="none" rtlCol="0">
-                <a:spAutoFit/>
-                <a:scene3d>
-                  <a:camera prst="orthographicFront"/>
-                  <a:lightRig rig="threePt" dir="t"/>
-                </a:scene3d>
-                <a:sp3d contourW="12700"/>
-              </a:bodyPr>
-              <a:lstStyle/>
-              <a:p>
-                <a:r>
-                  <a:rPr lang="zh-TW" altLang="en-US" sz="1600" b="1" spc="300" dirty="0">
-                    <a:solidFill>
-                      <a:schemeClr val="tx1">
-                        <a:lumMod val="75000"/>
-                        <a:lumOff val="25000"/>
-                      </a:schemeClr>
-                    </a:solidFill>
-                  </a:rPr>
-                  <a:t>共現圖規劃</a:t>
-                </a:r>
-                <a:endParaRPr lang="zh-CN" altLang="en-US" sz="1600" b="1" spc="300" dirty="0">
+            <a:prstGeom prst="rect">
+              <a:avLst/>
+            </a:prstGeom>
+            <a:noFill/>
+          </p:spPr>
+          <p:txBody>
+            <a:bodyPr wrap="none" rtlCol="0">
+              <a:spAutoFit/>
+              <a:scene3d>
+                <a:camera prst="orthographicFront"/>
+                <a:lightRig rig="threePt" dir="t"/>
+              </a:scene3d>
+              <a:sp3d contourW="12700"/>
+            </a:bodyPr>
+            <a:lstStyle/>
+            <a:p>
+              <a:r>
+                <a:rPr lang="zh-TW" altLang="en-US" sz="2400" b="1" spc="300" dirty="0">
                   <a:solidFill>
                     <a:schemeClr val="tx1">
                       <a:lumMod val="75000"/>
                       <a:lumOff val="25000"/>
                     </a:schemeClr>
                   </a:solidFill>
-                </a:endParaRPr>
-              </a:p>
-            </p:txBody>
-          </p:sp>
-          <p:sp>
-            <p:nvSpPr>
-              <p:cNvPr id="34" name="文本框 33"/>
-              <p:cNvSpPr txBox="1"/>
-              <p:nvPr/>
-            </p:nvSpPr>
-            <p:spPr>
-              <a:xfrm>
-                <a:off x="1943100" y="3264316"/>
-                <a:ext cx="1968809" cy="215444"/>
-              </a:xfrm>
-              <a:prstGeom prst="rect">
-                <a:avLst/>
-              </a:prstGeom>
-              <a:noFill/>
-            </p:spPr>
-            <p:txBody>
-              <a:bodyPr wrap="none" rtlCol="0">
-                <a:spAutoFit/>
-                <a:scene3d>
-                  <a:camera prst="orthographicFront"/>
-                  <a:lightRig rig="threePt" dir="t"/>
-                </a:scene3d>
-                <a:sp3d contourW="12700"/>
-              </a:bodyPr>
-              <a:lstStyle/>
-              <a:p>
-                <a:r>
-                  <a:rPr lang="en-US" altLang="zh-CN" sz="800" dirty="0">
-                    <a:solidFill>
-                      <a:schemeClr val="tx1">
-                        <a:lumMod val="75000"/>
-                        <a:lumOff val="25000"/>
-                      </a:schemeClr>
-                    </a:solidFill>
-                  </a:rPr>
-                  <a:t>The user can demonstrate or computer</a:t>
-                </a:r>
-                <a:endParaRPr lang="zh-CN" altLang="en-US" sz="800" dirty="0">
-                  <a:solidFill>
-                    <a:schemeClr val="tx1">
-                      <a:lumMod val="75000"/>
-                      <a:lumOff val="25000"/>
-                    </a:schemeClr>
-                  </a:solidFill>
-                </a:endParaRPr>
-              </a:p>
-            </p:txBody>
-          </p:sp>
-        </p:grpSp>
+                </a:rPr>
+                <a:t>共現圖規劃</a:t>
+              </a:r>
+              <a:endParaRPr lang="zh-CN" altLang="en-US" sz="2400" b="1" spc="300" dirty="0">
+                <a:solidFill>
+                  <a:schemeClr val="tx1">
+                    <a:lumMod val="75000"/>
+                    <a:lumOff val="25000"/>
+                  </a:schemeClr>
+                </a:solidFill>
+              </a:endParaRPr>
+            </a:p>
+          </p:txBody>
+        </p:sp>
         <p:sp>
           <p:nvSpPr>
             <p:cNvPr id="32" name="文本框 31"/>
@@ -24495,124 +23615,60 @@
         <p:grpSpPr>
           <a:xfrm>
             <a:off x="7220305" y="4478229"/>
-            <a:ext cx="2426890" cy="584775"/>
+            <a:ext cx="2027741" cy="584775"/>
             <a:chOff x="6426646" y="1196311"/>
-            <a:chExt cx="2426890" cy="584775"/>
+            <a:chExt cx="2027741" cy="584775"/>
           </a:xfrm>
         </p:grpSpPr>
-        <p:grpSp>
-          <p:nvGrpSpPr>
-            <p:cNvPr id="36" name="组合 35"/>
-            <p:cNvGrpSpPr/>
+        <p:sp>
+          <p:nvSpPr>
+            <p:cNvPr id="38" name="文本框 37"/>
+            <p:cNvSpPr txBox="1"/>
             <p:nvPr/>
-          </p:nvGrpSpPr>
-          <p:grpSpPr>
+          </p:nvSpPr>
+          <p:spPr>
             <a:xfrm>
               <a:off x="6884727" y="1271088"/>
-              <a:ext cx="1968809" cy="457693"/>
-              <a:chOff x="1943100" y="3022067"/>
-              <a:chExt cx="1968809" cy="457693"/>
+              <a:ext cx="1569660" cy="461665"/>
             </a:xfrm>
-          </p:grpSpPr>
-          <p:sp>
-            <p:nvSpPr>
-              <p:cNvPr id="38" name="文本框 37"/>
-              <p:cNvSpPr txBox="1"/>
-              <p:nvPr/>
-            </p:nvSpPr>
-            <p:spPr>
-              <a:xfrm>
-                <a:off x="1943100" y="3022067"/>
-                <a:ext cx="1159292" cy="338554"/>
-              </a:xfrm>
-              <a:prstGeom prst="rect">
-                <a:avLst/>
-              </a:prstGeom>
-              <a:noFill/>
-            </p:spPr>
-            <p:txBody>
-              <a:bodyPr wrap="none" rtlCol="0">
-                <a:spAutoFit/>
-                <a:scene3d>
-                  <a:camera prst="orthographicFront"/>
-                  <a:lightRig rig="threePt" dir="t"/>
-                </a:scene3d>
-                <a:sp3d contourW="12700"/>
-              </a:bodyPr>
-              <a:lstStyle/>
-              <a:p>
-                <a:r>
-                  <a:rPr lang="zh-TW" altLang="en-US" sz="1600" b="1" spc="300" dirty="0">
-                    <a:solidFill>
-                      <a:schemeClr val="tx1">
-                        <a:lumMod val="75000"/>
-                        <a:lumOff val="25000"/>
-                      </a:schemeClr>
-                    </a:solidFill>
-                  </a:rPr>
-                  <a:t>研究方向</a:t>
-                </a:r>
-                <a:endParaRPr lang="zh-CN" altLang="en-US" sz="1600" b="1" spc="300" dirty="0">
+            <a:prstGeom prst="rect">
+              <a:avLst/>
+            </a:prstGeom>
+            <a:noFill/>
+          </p:spPr>
+          <p:txBody>
+            <a:bodyPr wrap="none" rtlCol="0">
+              <a:spAutoFit/>
+              <a:scene3d>
+                <a:camera prst="orthographicFront"/>
+                <a:lightRig rig="threePt" dir="t"/>
+              </a:scene3d>
+              <a:sp3d contourW="12700"/>
+            </a:bodyPr>
+            <a:lstStyle/>
+            <a:p>
+              <a:r>
+                <a:rPr lang="zh-TW" altLang="en-US" sz="2400" b="1" spc="300" dirty="0">
                   <a:solidFill>
                     <a:schemeClr val="tx1">
                       <a:lumMod val="75000"/>
                       <a:lumOff val="25000"/>
                     </a:schemeClr>
                   </a:solidFill>
-                </a:endParaRPr>
-              </a:p>
-            </p:txBody>
-          </p:sp>
-          <p:sp>
-            <p:nvSpPr>
-              <p:cNvPr id="39" name="文本框 38"/>
-              <p:cNvSpPr txBox="1"/>
-              <p:nvPr/>
-            </p:nvSpPr>
-            <p:spPr>
-              <a:xfrm>
-                <a:off x="1943100" y="3264316"/>
-                <a:ext cx="1968809" cy="215444"/>
-              </a:xfrm>
-              <a:prstGeom prst="rect">
-                <a:avLst/>
-              </a:prstGeom>
-              <a:noFill/>
-            </p:spPr>
-            <p:txBody>
-              <a:bodyPr wrap="none" rtlCol="0">
-                <a:spAutoFit/>
-                <a:scene3d>
-                  <a:camera prst="orthographicFront"/>
-                  <a:lightRig rig="threePt" dir="t"/>
-                </a:scene3d>
-                <a:sp3d contourW="12700"/>
-              </a:bodyPr>
-              <a:lstStyle/>
-              <a:p>
-                <a:r>
-                  <a:rPr lang="en-US" altLang="zh-CN" sz="800" dirty="0">
-                    <a:solidFill>
-                      <a:schemeClr val="tx1">
-                        <a:lumMod val="75000"/>
-                        <a:lumOff val="25000"/>
-                      </a:schemeClr>
-                    </a:solidFill>
-                  </a:rPr>
-                  <a:t>The user can demonstrate or computer</a:t>
-                </a:r>
-                <a:endParaRPr lang="zh-CN" altLang="en-US" sz="800" dirty="0">
-                  <a:solidFill>
-                    <a:schemeClr val="tx1">
-                      <a:lumMod val="75000"/>
-                      <a:lumOff val="25000"/>
-                    </a:schemeClr>
-                  </a:solidFill>
-                </a:endParaRPr>
-              </a:p>
-            </p:txBody>
-          </p:sp>
-        </p:grpSp>
+                </a:rPr>
+                <a:t>研究方向</a:t>
+              </a:r>
+              <a:endParaRPr lang="zh-CN" altLang="en-US" sz="2400" b="1" spc="300" dirty="0">
+                <a:solidFill>
+                  <a:schemeClr val="tx1">
+                    <a:lumMod val="75000"/>
+                    <a:lumOff val="25000"/>
+                  </a:schemeClr>
+                </a:solidFill>
+              </a:endParaRPr>
+            </a:p>
+          </p:txBody>
+        </p:sp>
         <p:sp>
           <p:nvSpPr>
             <p:cNvPr id="37" name="文本框 36"/>
@@ -24673,124 +23729,60 @@
         <p:grpSpPr>
           <a:xfrm>
             <a:off x="7220305" y="5292542"/>
-            <a:ext cx="2426890" cy="584775"/>
+            <a:ext cx="2027741" cy="584775"/>
             <a:chOff x="6426646" y="1196311"/>
-            <a:chExt cx="2426890" cy="584775"/>
+            <a:chExt cx="2027741" cy="584775"/>
           </a:xfrm>
         </p:grpSpPr>
-        <p:grpSp>
-          <p:nvGrpSpPr>
-            <p:cNvPr id="41" name="组合 40"/>
-            <p:cNvGrpSpPr/>
+        <p:sp>
+          <p:nvSpPr>
+            <p:cNvPr id="43" name="文本框 42"/>
+            <p:cNvSpPr txBox="1"/>
             <p:nvPr/>
-          </p:nvGrpSpPr>
-          <p:grpSpPr>
+          </p:nvSpPr>
+          <p:spPr>
             <a:xfrm>
               <a:off x="6884727" y="1271088"/>
-              <a:ext cx="1968809" cy="457693"/>
-              <a:chOff x="1943100" y="3022067"/>
-              <a:chExt cx="1968809" cy="457693"/>
+              <a:ext cx="1569660" cy="461665"/>
             </a:xfrm>
-          </p:grpSpPr>
-          <p:sp>
-            <p:nvSpPr>
-              <p:cNvPr id="43" name="文本框 42"/>
-              <p:cNvSpPr txBox="1"/>
-              <p:nvPr/>
-            </p:nvSpPr>
-            <p:spPr>
-              <a:xfrm>
-                <a:off x="1943100" y="3022067"/>
-                <a:ext cx="1159292" cy="338554"/>
-              </a:xfrm>
-              <a:prstGeom prst="rect">
-                <a:avLst/>
-              </a:prstGeom>
-              <a:noFill/>
-            </p:spPr>
-            <p:txBody>
-              <a:bodyPr wrap="none" rtlCol="0">
-                <a:spAutoFit/>
-                <a:scene3d>
-                  <a:camera prst="orthographicFront"/>
-                  <a:lightRig rig="threePt" dir="t"/>
-                </a:scene3d>
-                <a:sp3d contourW="12700"/>
-              </a:bodyPr>
-              <a:lstStyle/>
-              <a:p>
-                <a:r>
-                  <a:rPr lang="zh-TW" altLang="en-US" sz="1600" b="1" spc="300" dirty="0">
-                    <a:solidFill>
-                      <a:schemeClr val="tx1">
-                        <a:lumMod val="75000"/>
-                        <a:lumOff val="25000"/>
-                      </a:schemeClr>
-                    </a:solidFill>
-                  </a:rPr>
-                  <a:t>參考網址</a:t>
-                </a:r>
-                <a:endParaRPr lang="zh-CN" altLang="en-US" sz="1600" b="1" spc="300" dirty="0">
+            <a:prstGeom prst="rect">
+              <a:avLst/>
+            </a:prstGeom>
+            <a:noFill/>
+          </p:spPr>
+          <p:txBody>
+            <a:bodyPr wrap="none" rtlCol="0">
+              <a:spAutoFit/>
+              <a:scene3d>
+                <a:camera prst="orthographicFront"/>
+                <a:lightRig rig="threePt" dir="t"/>
+              </a:scene3d>
+              <a:sp3d contourW="12700"/>
+            </a:bodyPr>
+            <a:lstStyle/>
+            <a:p>
+              <a:r>
+                <a:rPr lang="zh-TW" altLang="en-US" sz="2400" b="1" spc="300" dirty="0">
                   <a:solidFill>
                     <a:schemeClr val="tx1">
                       <a:lumMod val="75000"/>
                       <a:lumOff val="25000"/>
                     </a:schemeClr>
                   </a:solidFill>
-                </a:endParaRPr>
-              </a:p>
-            </p:txBody>
-          </p:sp>
-          <p:sp>
-            <p:nvSpPr>
-              <p:cNvPr id="44" name="文本框 43"/>
-              <p:cNvSpPr txBox="1"/>
-              <p:nvPr/>
-            </p:nvSpPr>
-            <p:spPr>
-              <a:xfrm>
-                <a:off x="1943100" y="3264316"/>
-                <a:ext cx="1968809" cy="215444"/>
-              </a:xfrm>
-              <a:prstGeom prst="rect">
-                <a:avLst/>
-              </a:prstGeom>
-              <a:noFill/>
-            </p:spPr>
-            <p:txBody>
-              <a:bodyPr wrap="none" rtlCol="0">
-                <a:spAutoFit/>
-                <a:scene3d>
-                  <a:camera prst="orthographicFront"/>
-                  <a:lightRig rig="threePt" dir="t"/>
-                </a:scene3d>
-                <a:sp3d contourW="12700"/>
-              </a:bodyPr>
-              <a:lstStyle/>
-              <a:p>
-                <a:r>
-                  <a:rPr lang="en-US" altLang="zh-CN" sz="800" dirty="0">
-                    <a:solidFill>
-                      <a:schemeClr val="tx1">
-                        <a:lumMod val="75000"/>
-                        <a:lumOff val="25000"/>
-                      </a:schemeClr>
-                    </a:solidFill>
-                  </a:rPr>
-                  <a:t>The user can demonstrate or computer</a:t>
-                </a:r>
-                <a:endParaRPr lang="zh-CN" altLang="en-US" sz="800" dirty="0">
-                  <a:solidFill>
-                    <a:schemeClr val="tx1">
-                      <a:lumMod val="75000"/>
-                      <a:lumOff val="25000"/>
-                    </a:schemeClr>
-                  </a:solidFill>
-                </a:endParaRPr>
-              </a:p>
-            </p:txBody>
-          </p:sp>
-        </p:grpSp>
+                </a:rPr>
+                <a:t>參考網址</a:t>
+              </a:r>
+              <a:endParaRPr lang="zh-CN" altLang="en-US" sz="2400" b="1" spc="300" dirty="0">
+                <a:solidFill>
+                  <a:schemeClr val="tx1">
+                    <a:lumMod val="75000"/>
+                    <a:lumOff val="25000"/>
+                  </a:schemeClr>
+                </a:solidFill>
+              </a:endParaRPr>
+            </a:p>
+          </p:txBody>
+        </p:sp>
         <p:sp>
           <p:nvSpPr>
             <p:cNvPr id="42" name="文本框 41"/>
@@ -25907,69 +24899,6 @@
           </a:p>
         </p:txBody>
       </p:sp>
-      <p:sp>
-        <p:nvSpPr>
-          <p:cNvPr id="12" name="文本框 11"/>
-          <p:cNvSpPr txBox="1"/>
-          <p:nvPr/>
-        </p:nvSpPr>
-        <p:spPr>
-          <a:xfrm>
-            <a:off x="5808246" y="3612592"/>
-            <a:ext cx="4671068" cy="738664"/>
-          </a:xfrm>
-          <a:prstGeom prst="rect">
-            <a:avLst/>
-          </a:prstGeom>
-          <a:noFill/>
-        </p:spPr>
-        <p:txBody>
-          <a:bodyPr wrap="square" rtlCol="0">
-            <a:spAutoFit/>
-            <a:scene3d>
-              <a:camera prst="orthographicFront"/>
-              <a:lightRig rig="threePt" dir="t"/>
-            </a:scene3d>
-            <a:sp3d contourW="12700"/>
-          </a:bodyPr>
-          <a:lstStyle/>
-          <a:p>
-            <a:r>
-              <a:rPr lang="en-US" altLang="zh-CN" sz="1400" dirty="0">
-                <a:solidFill>
-                  <a:schemeClr val="tx1">
-                    <a:lumMod val="75000"/>
-                    <a:lumOff val="25000"/>
-                  </a:schemeClr>
-                </a:solidFill>
-              </a:rPr>
-              <a:t>The user can demonstrate on a projector </a:t>
-            </a:r>
-            <a:r>
-              <a:rPr lang="en-US" altLang="zh-CN" sz="1400" dirty="0" err="1">
-                <a:solidFill>
-                  <a:schemeClr val="tx1">
-                    <a:lumMod val="75000"/>
-                    <a:lumOff val="25000"/>
-                  </a:schemeClr>
-                </a:solidFill>
-              </a:rPr>
-              <a:t>orThe</a:t>
-            </a:r>
-            <a:r>
-              <a:rPr lang="en-US" altLang="zh-CN" sz="1400" dirty="0">
-                <a:solidFill>
-                  <a:schemeClr val="tx1">
-                    <a:lumMod val="75000"/>
-                    <a:lumOff val="25000"/>
-                  </a:schemeClr>
-                </a:solidFill>
-              </a:rPr>
-              <a:t> user can demonstrate on a projector or computer, or print the presentation</a:t>
-            </a:r>
-          </a:p>
-        </p:txBody>
-      </p:sp>
       <p:cxnSp>
         <p:nvCxnSpPr>
           <p:cNvPr id="4" name="直接连接符 3"/>
@@ -26221,8 +25150,8 @@
       </p:transition>
     </mc:Fallback>
   </mc:AlternateContent>
-  <mc:AlternateContent xmlns:mc="http://schemas.openxmlformats.org/markup-compatibility/2006" xmlns:p14="http://schemas.microsoft.com/office/powerpoint/2010/main">
-    <mc:Choice Requires="p14">
+  <mc:AlternateContent xmlns:mc="http://schemas.openxmlformats.org/markup-compatibility/2006">
+    <mc:Choice xmlns:p14="http://schemas.microsoft.com/office/powerpoint/2010/main" Requires="p14">
       <p:timing>
         <p:tnLst>
           <p:par>
@@ -26517,151 +25446,6 @@
                                       </p:childTnLst>
                                     </p:cTn>
                                   </p:par>
-                                  <p:par>
-                                    <p:cTn id="21" presetID="41" presetClass="entr" presetSubtype="0" fill="hold" grpId="0" nodeType="withEffect">
-                                      <p:stCondLst>
-                                        <p:cond delay="250"/>
-                                      </p:stCondLst>
-                                      <p:iterate type="lt">
-                                        <p:tmPct val="10000"/>
-                                      </p:iterate>
-                                      <p:childTnLst>
-                                        <p:set>
-                                          <p:cBhvr>
-                                            <p:cTn id="22" dur="1" fill="hold">
-                                              <p:stCondLst>
-                                                <p:cond delay="0"/>
-                                              </p:stCondLst>
-                                            </p:cTn>
-                                            <p:tgtEl>
-                                              <p:spTgt spid="12"/>
-                                            </p:tgtEl>
-                                            <p:attrNameLst>
-                                              <p:attrName>style.visibility</p:attrName>
-                                            </p:attrNameLst>
-                                          </p:cBhvr>
-                                          <p:to>
-                                            <p:strVal val="visible"/>
-                                          </p:to>
-                                        </p:set>
-                                        <p:anim calcmode="lin" valueType="num">
-                                          <p:cBhvr>
-                                            <p:cTn id="23" dur="500" fill="hold"/>
-                                            <p:tgtEl>
-                                              <p:spTgt spid="12"/>
-                                            </p:tgtEl>
-                                            <p:attrNameLst>
-                                              <p:attrName>ppt_x</p:attrName>
-                                            </p:attrNameLst>
-                                          </p:cBhvr>
-                                          <p:tavLst>
-                                            <p:tav tm="0">
-                                              <p:val>
-                                                <p:strVal val="#ppt_x"/>
-                                              </p:val>
-                                            </p:tav>
-                                            <p:tav tm="50000">
-                                              <p:val>
-                                                <p:strVal val="#ppt_x+.1"/>
-                                              </p:val>
-                                            </p:tav>
-                                            <p:tav tm="100000">
-                                              <p:val>
-                                                <p:strVal val="#ppt_x"/>
-                                              </p:val>
-                                            </p:tav>
-                                          </p:tavLst>
-                                        </p:anim>
-                                        <p:anim calcmode="lin" valueType="num">
-                                          <p:cBhvr>
-                                            <p:cTn id="24" dur="500" fill="hold"/>
-                                            <p:tgtEl>
-                                              <p:spTgt spid="12"/>
-                                            </p:tgtEl>
-                                            <p:attrNameLst>
-                                              <p:attrName>ppt_y</p:attrName>
-                                            </p:attrNameLst>
-                                          </p:cBhvr>
-                                          <p:tavLst>
-                                            <p:tav tm="0">
-                                              <p:val>
-                                                <p:strVal val="#ppt_y"/>
-                                              </p:val>
-                                            </p:tav>
-                                            <p:tav tm="100000">
-                                              <p:val>
-                                                <p:strVal val="#ppt_y"/>
-                                              </p:val>
-                                            </p:tav>
-                                          </p:tavLst>
-                                        </p:anim>
-                                        <p:anim calcmode="lin" valueType="num">
-                                          <p:cBhvr>
-                                            <p:cTn id="25" dur="500" fill="hold"/>
-                                            <p:tgtEl>
-                                              <p:spTgt spid="12"/>
-                                            </p:tgtEl>
-                                            <p:attrNameLst>
-                                              <p:attrName>ppt_h</p:attrName>
-                                            </p:attrNameLst>
-                                          </p:cBhvr>
-                                          <p:tavLst>
-                                            <p:tav tm="0">
-                                              <p:val>
-                                                <p:strVal val="#ppt_h/10"/>
-                                              </p:val>
-                                            </p:tav>
-                                            <p:tav tm="50000">
-                                              <p:val>
-                                                <p:strVal val="#ppt_h+.01"/>
-                                              </p:val>
-                                            </p:tav>
-                                            <p:tav tm="100000">
-                                              <p:val>
-                                                <p:strVal val="#ppt_h"/>
-                                              </p:val>
-                                            </p:tav>
-                                          </p:tavLst>
-                                        </p:anim>
-                                        <p:anim calcmode="lin" valueType="num">
-                                          <p:cBhvr>
-                                            <p:cTn id="26" dur="500" fill="hold"/>
-                                            <p:tgtEl>
-                                              <p:spTgt spid="12"/>
-                                            </p:tgtEl>
-                                            <p:attrNameLst>
-                                              <p:attrName>ppt_w</p:attrName>
-                                            </p:attrNameLst>
-                                          </p:cBhvr>
-                                          <p:tavLst>
-                                            <p:tav tm="0">
-                                              <p:val>
-                                                <p:strVal val="#ppt_w/10"/>
-                                              </p:val>
-                                            </p:tav>
-                                            <p:tav tm="50000">
-                                              <p:val>
-                                                <p:strVal val="#ppt_w+.01"/>
-                                              </p:val>
-                                            </p:tav>
-                                            <p:tav tm="100000">
-                                              <p:val>
-                                                <p:strVal val="#ppt_w"/>
-                                              </p:val>
-                                            </p:tav>
-                                          </p:tavLst>
-                                        </p:anim>
-                                        <p:animEffect transition="in" filter="fade">
-                                          <p:cBhvr>
-                                            <p:cTn id="27" dur="500" tmFilter="0,0; .5, 1; 1, 1"/>
-                                            <p:tgtEl>
-                                              <p:spTgt spid="12"/>
-                                            </p:tgtEl>
-                                          </p:cBhvr>
-                                        </p:animEffect>
-                                      </p:childTnLst>
-                                    </p:cTn>
-                                  </p:par>
                                 </p:childTnLst>
                               </p:cTn>
                             </p:par>
@@ -26691,11 +25475,10 @@
         </p:tnLst>
         <p:bldLst>
           <p:bldP spid="11" grpId="0"/>
-          <p:bldP spid="12" grpId="0"/>
         </p:bldLst>
       </p:timing>
     </mc:Choice>
-    <mc:Fallback xmlns="">
+    <mc:Fallback>
       <p:timing>
         <p:tnLst>
           <p:par>
@@ -26990,151 +25773,6 @@
                                       </p:childTnLst>
                                     </p:cTn>
                                   </p:par>
-                                  <p:par>
-                                    <p:cTn id="21" presetID="41" presetClass="entr" presetSubtype="0" fill="hold" grpId="0" nodeType="withEffect">
-                                      <p:stCondLst>
-                                        <p:cond delay="250"/>
-                                      </p:stCondLst>
-                                      <p:iterate type="lt">
-                                        <p:tmPct val="10000"/>
-                                      </p:iterate>
-                                      <p:childTnLst>
-                                        <p:set>
-                                          <p:cBhvr>
-                                            <p:cTn id="22" dur="1" fill="hold">
-                                              <p:stCondLst>
-                                                <p:cond delay="0"/>
-                                              </p:stCondLst>
-                                            </p:cTn>
-                                            <p:tgtEl>
-                                              <p:spTgt spid="12"/>
-                                            </p:tgtEl>
-                                            <p:attrNameLst>
-                                              <p:attrName>style.visibility</p:attrName>
-                                            </p:attrNameLst>
-                                          </p:cBhvr>
-                                          <p:to>
-                                            <p:strVal val="visible"/>
-                                          </p:to>
-                                        </p:set>
-                                        <p:anim calcmode="lin" valueType="num">
-                                          <p:cBhvr>
-                                            <p:cTn id="23" dur="500" fill="hold"/>
-                                            <p:tgtEl>
-                                              <p:spTgt spid="12"/>
-                                            </p:tgtEl>
-                                            <p:attrNameLst>
-                                              <p:attrName>ppt_x</p:attrName>
-                                            </p:attrNameLst>
-                                          </p:cBhvr>
-                                          <p:tavLst>
-                                            <p:tav tm="0">
-                                              <p:val>
-                                                <p:strVal val="#ppt_x"/>
-                                              </p:val>
-                                            </p:tav>
-                                            <p:tav tm="50000">
-                                              <p:val>
-                                                <p:strVal val="#ppt_x+.1"/>
-                                              </p:val>
-                                            </p:tav>
-                                            <p:tav tm="100000">
-                                              <p:val>
-                                                <p:strVal val="#ppt_x"/>
-                                              </p:val>
-                                            </p:tav>
-                                          </p:tavLst>
-                                        </p:anim>
-                                        <p:anim calcmode="lin" valueType="num">
-                                          <p:cBhvr>
-                                            <p:cTn id="24" dur="500" fill="hold"/>
-                                            <p:tgtEl>
-                                              <p:spTgt spid="12"/>
-                                            </p:tgtEl>
-                                            <p:attrNameLst>
-                                              <p:attrName>ppt_y</p:attrName>
-                                            </p:attrNameLst>
-                                          </p:cBhvr>
-                                          <p:tavLst>
-                                            <p:tav tm="0">
-                                              <p:val>
-                                                <p:strVal val="#ppt_y"/>
-                                              </p:val>
-                                            </p:tav>
-                                            <p:tav tm="100000">
-                                              <p:val>
-                                                <p:strVal val="#ppt_y"/>
-                                              </p:val>
-                                            </p:tav>
-                                          </p:tavLst>
-                                        </p:anim>
-                                        <p:anim calcmode="lin" valueType="num">
-                                          <p:cBhvr>
-                                            <p:cTn id="25" dur="500" fill="hold"/>
-                                            <p:tgtEl>
-                                              <p:spTgt spid="12"/>
-                                            </p:tgtEl>
-                                            <p:attrNameLst>
-                                              <p:attrName>ppt_h</p:attrName>
-                                            </p:attrNameLst>
-                                          </p:cBhvr>
-                                          <p:tavLst>
-                                            <p:tav tm="0">
-                                              <p:val>
-                                                <p:strVal val="#ppt_h/10"/>
-                                              </p:val>
-                                            </p:tav>
-                                            <p:tav tm="50000">
-                                              <p:val>
-                                                <p:strVal val="#ppt_h+.01"/>
-                                              </p:val>
-                                            </p:tav>
-                                            <p:tav tm="100000">
-                                              <p:val>
-                                                <p:strVal val="#ppt_h"/>
-                                              </p:val>
-                                            </p:tav>
-                                          </p:tavLst>
-                                        </p:anim>
-                                        <p:anim calcmode="lin" valueType="num">
-                                          <p:cBhvr>
-                                            <p:cTn id="26" dur="500" fill="hold"/>
-                                            <p:tgtEl>
-                                              <p:spTgt spid="12"/>
-                                            </p:tgtEl>
-                                            <p:attrNameLst>
-                                              <p:attrName>ppt_w</p:attrName>
-                                            </p:attrNameLst>
-                                          </p:cBhvr>
-                                          <p:tavLst>
-                                            <p:tav tm="0">
-                                              <p:val>
-                                                <p:strVal val="#ppt_w/10"/>
-                                              </p:val>
-                                            </p:tav>
-                                            <p:tav tm="50000">
-                                              <p:val>
-                                                <p:strVal val="#ppt_w+.01"/>
-                                              </p:val>
-                                            </p:tav>
-                                            <p:tav tm="100000">
-                                              <p:val>
-                                                <p:strVal val="#ppt_w"/>
-                                              </p:val>
-                                            </p:tav>
-                                          </p:tavLst>
-                                        </p:anim>
-                                        <p:animEffect transition="in" filter="fade">
-                                          <p:cBhvr>
-                                            <p:cTn id="27" dur="500" tmFilter="0,0; .5, 1; 1, 1"/>
-                                            <p:tgtEl>
-                                              <p:spTgt spid="12"/>
-                                            </p:tgtEl>
-                                          </p:cBhvr>
-                                        </p:animEffect>
-                                      </p:childTnLst>
-                                    </p:cTn>
-                                  </p:par>
                                 </p:childTnLst>
                               </p:cTn>
                             </p:par>
@@ -27164,7 +25802,6 @@
         </p:tnLst>
         <p:bldLst>
           <p:bldP spid="11" grpId="0"/>
-          <p:bldP spid="12" grpId="0"/>
         </p:bldLst>
       </p:timing>
     </mc:Fallback>
@@ -29714,69 +28351,6 @@
           </a:p>
         </p:txBody>
       </p:sp>
-      <p:sp>
-        <p:nvSpPr>
-          <p:cNvPr id="12" name="文本框 11"/>
-          <p:cNvSpPr txBox="1"/>
-          <p:nvPr/>
-        </p:nvSpPr>
-        <p:spPr>
-          <a:xfrm>
-            <a:off x="5808246" y="3612592"/>
-            <a:ext cx="4671068" cy="738664"/>
-          </a:xfrm>
-          <a:prstGeom prst="rect">
-            <a:avLst/>
-          </a:prstGeom>
-          <a:noFill/>
-        </p:spPr>
-        <p:txBody>
-          <a:bodyPr wrap="square" rtlCol="0">
-            <a:spAutoFit/>
-            <a:scene3d>
-              <a:camera prst="orthographicFront"/>
-              <a:lightRig rig="threePt" dir="t"/>
-            </a:scene3d>
-            <a:sp3d contourW="12700"/>
-          </a:bodyPr>
-          <a:lstStyle/>
-          <a:p>
-            <a:r>
-              <a:rPr lang="en-US" altLang="zh-CN" sz="1400" dirty="0">
-                <a:solidFill>
-                  <a:schemeClr val="tx1">
-                    <a:lumMod val="75000"/>
-                    <a:lumOff val="25000"/>
-                  </a:schemeClr>
-                </a:solidFill>
-              </a:rPr>
-              <a:t>The user can demonstrate on a projector </a:t>
-            </a:r>
-            <a:r>
-              <a:rPr lang="en-US" altLang="zh-CN" sz="1400" dirty="0" err="1">
-                <a:solidFill>
-                  <a:schemeClr val="tx1">
-                    <a:lumMod val="75000"/>
-                    <a:lumOff val="25000"/>
-                  </a:schemeClr>
-                </a:solidFill>
-              </a:rPr>
-              <a:t>orThe</a:t>
-            </a:r>
-            <a:r>
-              <a:rPr lang="en-US" altLang="zh-CN" sz="1400" dirty="0">
-                <a:solidFill>
-                  <a:schemeClr val="tx1">
-                    <a:lumMod val="75000"/>
-                    <a:lumOff val="25000"/>
-                  </a:schemeClr>
-                </a:solidFill>
-              </a:rPr>
-              <a:t> user can demonstrate on a projector or computer, or print the presentation</a:t>
-            </a:r>
-          </a:p>
-        </p:txBody>
-      </p:sp>
       <p:cxnSp>
         <p:nvCxnSpPr>
           <p:cNvPr id="4" name="直接连接符 3"/>
@@ -30028,8 +28602,8 @@
       </p:transition>
     </mc:Fallback>
   </mc:AlternateContent>
-  <mc:AlternateContent xmlns:mc="http://schemas.openxmlformats.org/markup-compatibility/2006" xmlns:p14="http://schemas.microsoft.com/office/powerpoint/2010/main">
-    <mc:Choice Requires="p14">
+  <mc:AlternateContent xmlns:mc="http://schemas.openxmlformats.org/markup-compatibility/2006">
+    <mc:Choice xmlns:p14="http://schemas.microsoft.com/office/powerpoint/2010/main" Requires="p14">
       <p:timing>
         <p:tnLst>
           <p:par>
@@ -30324,151 +28898,6 @@
                                       </p:childTnLst>
                                     </p:cTn>
                                   </p:par>
-                                  <p:par>
-                                    <p:cTn id="21" presetID="41" presetClass="entr" presetSubtype="0" fill="hold" grpId="0" nodeType="withEffect">
-                                      <p:stCondLst>
-                                        <p:cond delay="250"/>
-                                      </p:stCondLst>
-                                      <p:iterate type="lt">
-                                        <p:tmPct val="10000"/>
-                                      </p:iterate>
-                                      <p:childTnLst>
-                                        <p:set>
-                                          <p:cBhvr>
-                                            <p:cTn id="22" dur="1" fill="hold">
-                                              <p:stCondLst>
-                                                <p:cond delay="0"/>
-                                              </p:stCondLst>
-                                            </p:cTn>
-                                            <p:tgtEl>
-                                              <p:spTgt spid="12"/>
-                                            </p:tgtEl>
-                                            <p:attrNameLst>
-                                              <p:attrName>style.visibility</p:attrName>
-                                            </p:attrNameLst>
-                                          </p:cBhvr>
-                                          <p:to>
-                                            <p:strVal val="visible"/>
-                                          </p:to>
-                                        </p:set>
-                                        <p:anim calcmode="lin" valueType="num">
-                                          <p:cBhvr>
-                                            <p:cTn id="23" dur="500" fill="hold"/>
-                                            <p:tgtEl>
-                                              <p:spTgt spid="12"/>
-                                            </p:tgtEl>
-                                            <p:attrNameLst>
-                                              <p:attrName>ppt_x</p:attrName>
-                                            </p:attrNameLst>
-                                          </p:cBhvr>
-                                          <p:tavLst>
-                                            <p:tav tm="0">
-                                              <p:val>
-                                                <p:strVal val="#ppt_x"/>
-                                              </p:val>
-                                            </p:tav>
-                                            <p:tav tm="50000">
-                                              <p:val>
-                                                <p:strVal val="#ppt_x+.1"/>
-                                              </p:val>
-                                            </p:tav>
-                                            <p:tav tm="100000">
-                                              <p:val>
-                                                <p:strVal val="#ppt_x"/>
-                                              </p:val>
-                                            </p:tav>
-                                          </p:tavLst>
-                                        </p:anim>
-                                        <p:anim calcmode="lin" valueType="num">
-                                          <p:cBhvr>
-                                            <p:cTn id="24" dur="500" fill="hold"/>
-                                            <p:tgtEl>
-                                              <p:spTgt spid="12"/>
-                                            </p:tgtEl>
-                                            <p:attrNameLst>
-                                              <p:attrName>ppt_y</p:attrName>
-                                            </p:attrNameLst>
-                                          </p:cBhvr>
-                                          <p:tavLst>
-                                            <p:tav tm="0">
-                                              <p:val>
-                                                <p:strVal val="#ppt_y"/>
-                                              </p:val>
-                                            </p:tav>
-                                            <p:tav tm="100000">
-                                              <p:val>
-                                                <p:strVal val="#ppt_y"/>
-                                              </p:val>
-                                            </p:tav>
-                                          </p:tavLst>
-                                        </p:anim>
-                                        <p:anim calcmode="lin" valueType="num">
-                                          <p:cBhvr>
-                                            <p:cTn id="25" dur="500" fill="hold"/>
-                                            <p:tgtEl>
-                                              <p:spTgt spid="12"/>
-                                            </p:tgtEl>
-                                            <p:attrNameLst>
-                                              <p:attrName>ppt_h</p:attrName>
-                                            </p:attrNameLst>
-                                          </p:cBhvr>
-                                          <p:tavLst>
-                                            <p:tav tm="0">
-                                              <p:val>
-                                                <p:strVal val="#ppt_h/10"/>
-                                              </p:val>
-                                            </p:tav>
-                                            <p:tav tm="50000">
-                                              <p:val>
-                                                <p:strVal val="#ppt_h+.01"/>
-                                              </p:val>
-                                            </p:tav>
-                                            <p:tav tm="100000">
-                                              <p:val>
-                                                <p:strVal val="#ppt_h"/>
-                                              </p:val>
-                                            </p:tav>
-                                          </p:tavLst>
-                                        </p:anim>
-                                        <p:anim calcmode="lin" valueType="num">
-                                          <p:cBhvr>
-                                            <p:cTn id="26" dur="500" fill="hold"/>
-                                            <p:tgtEl>
-                                              <p:spTgt spid="12"/>
-                                            </p:tgtEl>
-                                            <p:attrNameLst>
-                                              <p:attrName>ppt_w</p:attrName>
-                                            </p:attrNameLst>
-                                          </p:cBhvr>
-                                          <p:tavLst>
-                                            <p:tav tm="0">
-                                              <p:val>
-                                                <p:strVal val="#ppt_w/10"/>
-                                              </p:val>
-                                            </p:tav>
-                                            <p:tav tm="50000">
-                                              <p:val>
-                                                <p:strVal val="#ppt_w+.01"/>
-                                              </p:val>
-                                            </p:tav>
-                                            <p:tav tm="100000">
-                                              <p:val>
-                                                <p:strVal val="#ppt_w"/>
-                                              </p:val>
-                                            </p:tav>
-                                          </p:tavLst>
-                                        </p:anim>
-                                        <p:animEffect transition="in" filter="fade">
-                                          <p:cBhvr>
-                                            <p:cTn id="27" dur="500" tmFilter="0,0; .5, 1; 1, 1"/>
-                                            <p:tgtEl>
-                                              <p:spTgt spid="12"/>
-                                            </p:tgtEl>
-                                          </p:cBhvr>
-                                        </p:animEffect>
-                                      </p:childTnLst>
-                                    </p:cTn>
-                                  </p:par>
                                 </p:childTnLst>
                               </p:cTn>
                             </p:par>
@@ -30498,11 +28927,10 @@
         </p:tnLst>
         <p:bldLst>
           <p:bldP spid="11" grpId="0"/>
-          <p:bldP spid="12" grpId="0"/>
         </p:bldLst>
       </p:timing>
     </mc:Choice>
-    <mc:Fallback xmlns="">
+    <mc:Fallback>
       <p:timing>
         <p:tnLst>
           <p:par>
@@ -30797,151 +29225,6 @@
                                       </p:childTnLst>
                                     </p:cTn>
                                   </p:par>
-                                  <p:par>
-                                    <p:cTn id="21" presetID="41" presetClass="entr" presetSubtype="0" fill="hold" grpId="0" nodeType="withEffect">
-                                      <p:stCondLst>
-                                        <p:cond delay="250"/>
-                                      </p:stCondLst>
-                                      <p:iterate type="lt">
-                                        <p:tmPct val="10000"/>
-                                      </p:iterate>
-                                      <p:childTnLst>
-                                        <p:set>
-                                          <p:cBhvr>
-                                            <p:cTn id="22" dur="1" fill="hold">
-                                              <p:stCondLst>
-                                                <p:cond delay="0"/>
-                                              </p:stCondLst>
-                                            </p:cTn>
-                                            <p:tgtEl>
-                                              <p:spTgt spid="12"/>
-                                            </p:tgtEl>
-                                            <p:attrNameLst>
-                                              <p:attrName>style.visibility</p:attrName>
-                                            </p:attrNameLst>
-                                          </p:cBhvr>
-                                          <p:to>
-                                            <p:strVal val="visible"/>
-                                          </p:to>
-                                        </p:set>
-                                        <p:anim calcmode="lin" valueType="num">
-                                          <p:cBhvr>
-                                            <p:cTn id="23" dur="500" fill="hold"/>
-                                            <p:tgtEl>
-                                              <p:spTgt spid="12"/>
-                                            </p:tgtEl>
-                                            <p:attrNameLst>
-                                              <p:attrName>ppt_x</p:attrName>
-                                            </p:attrNameLst>
-                                          </p:cBhvr>
-                                          <p:tavLst>
-                                            <p:tav tm="0">
-                                              <p:val>
-                                                <p:strVal val="#ppt_x"/>
-                                              </p:val>
-                                            </p:tav>
-                                            <p:tav tm="50000">
-                                              <p:val>
-                                                <p:strVal val="#ppt_x+.1"/>
-                                              </p:val>
-                                            </p:tav>
-                                            <p:tav tm="100000">
-                                              <p:val>
-                                                <p:strVal val="#ppt_x"/>
-                                              </p:val>
-                                            </p:tav>
-                                          </p:tavLst>
-                                        </p:anim>
-                                        <p:anim calcmode="lin" valueType="num">
-                                          <p:cBhvr>
-                                            <p:cTn id="24" dur="500" fill="hold"/>
-                                            <p:tgtEl>
-                                              <p:spTgt spid="12"/>
-                                            </p:tgtEl>
-                                            <p:attrNameLst>
-                                              <p:attrName>ppt_y</p:attrName>
-                                            </p:attrNameLst>
-                                          </p:cBhvr>
-                                          <p:tavLst>
-                                            <p:tav tm="0">
-                                              <p:val>
-                                                <p:strVal val="#ppt_y"/>
-                                              </p:val>
-                                            </p:tav>
-                                            <p:tav tm="100000">
-                                              <p:val>
-                                                <p:strVal val="#ppt_y"/>
-                                              </p:val>
-                                            </p:tav>
-                                          </p:tavLst>
-                                        </p:anim>
-                                        <p:anim calcmode="lin" valueType="num">
-                                          <p:cBhvr>
-                                            <p:cTn id="25" dur="500" fill="hold"/>
-                                            <p:tgtEl>
-                                              <p:spTgt spid="12"/>
-                                            </p:tgtEl>
-                                            <p:attrNameLst>
-                                              <p:attrName>ppt_h</p:attrName>
-                                            </p:attrNameLst>
-                                          </p:cBhvr>
-                                          <p:tavLst>
-                                            <p:tav tm="0">
-                                              <p:val>
-                                                <p:strVal val="#ppt_h/10"/>
-                                              </p:val>
-                                            </p:tav>
-                                            <p:tav tm="50000">
-                                              <p:val>
-                                                <p:strVal val="#ppt_h+.01"/>
-                                              </p:val>
-                                            </p:tav>
-                                            <p:tav tm="100000">
-                                              <p:val>
-                                                <p:strVal val="#ppt_h"/>
-                                              </p:val>
-                                            </p:tav>
-                                          </p:tavLst>
-                                        </p:anim>
-                                        <p:anim calcmode="lin" valueType="num">
-                                          <p:cBhvr>
-                                            <p:cTn id="26" dur="500" fill="hold"/>
-                                            <p:tgtEl>
-                                              <p:spTgt spid="12"/>
-                                            </p:tgtEl>
-                                            <p:attrNameLst>
-                                              <p:attrName>ppt_w</p:attrName>
-                                            </p:attrNameLst>
-                                          </p:cBhvr>
-                                          <p:tavLst>
-                                            <p:tav tm="0">
-                                              <p:val>
-                                                <p:strVal val="#ppt_w/10"/>
-                                              </p:val>
-                                            </p:tav>
-                                            <p:tav tm="50000">
-                                              <p:val>
-                                                <p:strVal val="#ppt_w+.01"/>
-                                              </p:val>
-                                            </p:tav>
-                                            <p:tav tm="100000">
-                                              <p:val>
-                                                <p:strVal val="#ppt_w"/>
-                                              </p:val>
-                                            </p:tav>
-                                          </p:tavLst>
-                                        </p:anim>
-                                        <p:animEffect transition="in" filter="fade">
-                                          <p:cBhvr>
-                                            <p:cTn id="27" dur="500" tmFilter="0,0; .5, 1; 1, 1"/>
-                                            <p:tgtEl>
-                                              <p:spTgt spid="12"/>
-                                            </p:tgtEl>
-                                          </p:cBhvr>
-                                        </p:animEffect>
-                                      </p:childTnLst>
-                                    </p:cTn>
-                                  </p:par>
                                 </p:childTnLst>
                               </p:cTn>
                             </p:par>
@@ -30971,7 +29254,6 @@
         </p:tnLst>
         <p:bldLst>
           <p:bldP spid="11" grpId="0"/>
-          <p:bldP spid="12" grpId="0"/>
         </p:bldLst>
       </p:timing>
     </mc:Fallback>
@@ -34312,69 +32594,6 @@
           </a:p>
         </p:txBody>
       </p:sp>
-      <p:sp>
-        <p:nvSpPr>
-          <p:cNvPr id="12" name="文本框 11"/>
-          <p:cNvSpPr txBox="1"/>
-          <p:nvPr/>
-        </p:nvSpPr>
-        <p:spPr>
-          <a:xfrm>
-            <a:off x="5808246" y="3612592"/>
-            <a:ext cx="4671068" cy="738664"/>
-          </a:xfrm>
-          <a:prstGeom prst="rect">
-            <a:avLst/>
-          </a:prstGeom>
-          <a:noFill/>
-        </p:spPr>
-        <p:txBody>
-          <a:bodyPr wrap="square" rtlCol="0">
-            <a:spAutoFit/>
-            <a:scene3d>
-              <a:camera prst="orthographicFront"/>
-              <a:lightRig rig="threePt" dir="t"/>
-            </a:scene3d>
-            <a:sp3d contourW="12700"/>
-          </a:bodyPr>
-          <a:lstStyle/>
-          <a:p>
-            <a:r>
-              <a:rPr lang="en-US" altLang="zh-CN" sz="1400" dirty="0">
-                <a:solidFill>
-                  <a:schemeClr val="tx1">
-                    <a:lumMod val="75000"/>
-                    <a:lumOff val="25000"/>
-                  </a:schemeClr>
-                </a:solidFill>
-              </a:rPr>
-              <a:t>The user can demonstrate on a projector or</a:t>
-            </a:r>
-            <a:r>
-              <a:rPr lang="zh-TW" altLang="en-US" sz="1400" dirty="0">
-                <a:solidFill>
-                  <a:schemeClr val="tx1">
-                    <a:lumMod val="75000"/>
-                    <a:lumOff val="25000"/>
-                  </a:schemeClr>
-                </a:solidFill>
-              </a:rPr>
-              <a:t> </a:t>
-            </a:r>
-            <a:r>
-              <a:rPr lang="en-US" altLang="zh-CN" sz="1400" dirty="0">
-                <a:solidFill>
-                  <a:schemeClr val="tx1">
-                    <a:lumMod val="75000"/>
-                    <a:lumOff val="25000"/>
-                  </a:schemeClr>
-                </a:solidFill>
-              </a:rPr>
-              <a:t>The user can demonstrate on a projector or computer, or print the presentation</a:t>
-            </a:r>
-          </a:p>
-        </p:txBody>
-      </p:sp>
       <p:cxnSp>
         <p:nvCxnSpPr>
           <p:cNvPr id="4" name="直接连接符 3"/>
@@ -34922,151 +33141,6 @@
                                       </p:childTnLst>
                                     </p:cTn>
                                   </p:par>
-                                  <p:par>
-                                    <p:cTn id="21" presetID="41" presetClass="entr" presetSubtype="0" fill="hold" grpId="0" nodeType="withEffect">
-                                      <p:stCondLst>
-                                        <p:cond delay="250"/>
-                                      </p:stCondLst>
-                                      <p:iterate type="lt">
-                                        <p:tmPct val="10000"/>
-                                      </p:iterate>
-                                      <p:childTnLst>
-                                        <p:set>
-                                          <p:cBhvr>
-                                            <p:cTn id="22" dur="1" fill="hold">
-                                              <p:stCondLst>
-                                                <p:cond delay="0"/>
-                                              </p:stCondLst>
-                                            </p:cTn>
-                                            <p:tgtEl>
-                                              <p:spTgt spid="12"/>
-                                            </p:tgtEl>
-                                            <p:attrNameLst>
-                                              <p:attrName>style.visibility</p:attrName>
-                                            </p:attrNameLst>
-                                          </p:cBhvr>
-                                          <p:to>
-                                            <p:strVal val="visible"/>
-                                          </p:to>
-                                        </p:set>
-                                        <p:anim calcmode="lin" valueType="num">
-                                          <p:cBhvr>
-                                            <p:cTn id="23" dur="500" fill="hold"/>
-                                            <p:tgtEl>
-                                              <p:spTgt spid="12"/>
-                                            </p:tgtEl>
-                                            <p:attrNameLst>
-                                              <p:attrName>ppt_x</p:attrName>
-                                            </p:attrNameLst>
-                                          </p:cBhvr>
-                                          <p:tavLst>
-                                            <p:tav tm="0">
-                                              <p:val>
-                                                <p:strVal val="#ppt_x"/>
-                                              </p:val>
-                                            </p:tav>
-                                            <p:tav tm="50000">
-                                              <p:val>
-                                                <p:strVal val="#ppt_x+.1"/>
-                                              </p:val>
-                                            </p:tav>
-                                            <p:tav tm="100000">
-                                              <p:val>
-                                                <p:strVal val="#ppt_x"/>
-                                              </p:val>
-                                            </p:tav>
-                                          </p:tavLst>
-                                        </p:anim>
-                                        <p:anim calcmode="lin" valueType="num">
-                                          <p:cBhvr>
-                                            <p:cTn id="24" dur="500" fill="hold"/>
-                                            <p:tgtEl>
-                                              <p:spTgt spid="12"/>
-                                            </p:tgtEl>
-                                            <p:attrNameLst>
-                                              <p:attrName>ppt_y</p:attrName>
-                                            </p:attrNameLst>
-                                          </p:cBhvr>
-                                          <p:tavLst>
-                                            <p:tav tm="0">
-                                              <p:val>
-                                                <p:strVal val="#ppt_y"/>
-                                              </p:val>
-                                            </p:tav>
-                                            <p:tav tm="100000">
-                                              <p:val>
-                                                <p:strVal val="#ppt_y"/>
-                                              </p:val>
-                                            </p:tav>
-                                          </p:tavLst>
-                                        </p:anim>
-                                        <p:anim calcmode="lin" valueType="num">
-                                          <p:cBhvr>
-                                            <p:cTn id="25" dur="500" fill="hold"/>
-                                            <p:tgtEl>
-                                              <p:spTgt spid="12"/>
-                                            </p:tgtEl>
-                                            <p:attrNameLst>
-                                              <p:attrName>ppt_h</p:attrName>
-                                            </p:attrNameLst>
-                                          </p:cBhvr>
-                                          <p:tavLst>
-                                            <p:tav tm="0">
-                                              <p:val>
-                                                <p:strVal val="#ppt_h/10"/>
-                                              </p:val>
-                                            </p:tav>
-                                            <p:tav tm="50000">
-                                              <p:val>
-                                                <p:strVal val="#ppt_h+.01"/>
-                                              </p:val>
-                                            </p:tav>
-                                            <p:tav tm="100000">
-                                              <p:val>
-                                                <p:strVal val="#ppt_h"/>
-                                              </p:val>
-                                            </p:tav>
-                                          </p:tavLst>
-                                        </p:anim>
-                                        <p:anim calcmode="lin" valueType="num">
-                                          <p:cBhvr>
-                                            <p:cTn id="26" dur="500" fill="hold"/>
-                                            <p:tgtEl>
-                                              <p:spTgt spid="12"/>
-                                            </p:tgtEl>
-                                            <p:attrNameLst>
-                                              <p:attrName>ppt_w</p:attrName>
-                                            </p:attrNameLst>
-                                          </p:cBhvr>
-                                          <p:tavLst>
-                                            <p:tav tm="0">
-                                              <p:val>
-                                                <p:strVal val="#ppt_w/10"/>
-                                              </p:val>
-                                            </p:tav>
-                                            <p:tav tm="50000">
-                                              <p:val>
-                                                <p:strVal val="#ppt_w+.01"/>
-                                              </p:val>
-                                            </p:tav>
-                                            <p:tav tm="100000">
-                                              <p:val>
-                                                <p:strVal val="#ppt_w"/>
-                                              </p:val>
-                                            </p:tav>
-                                          </p:tavLst>
-                                        </p:anim>
-                                        <p:animEffect transition="in" filter="fade">
-                                          <p:cBhvr>
-                                            <p:cTn id="27" dur="500" tmFilter="0,0; .5, 1; 1, 1"/>
-                                            <p:tgtEl>
-                                              <p:spTgt spid="12"/>
-                                            </p:tgtEl>
-                                          </p:cBhvr>
-                                        </p:animEffect>
-                                      </p:childTnLst>
-                                    </p:cTn>
-                                  </p:par>
                                 </p:childTnLst>
                               </p:cTn>
                             </p:par>
@@ -35096,7 +33170,6 @@
         </p:tnLst>
         <p:bldLst>
           <p:bldP spid="11" grpId="0"/>
-          <p:bldP spid="12" grpId="0"/>
         </p:bldLst>
       </p:timing>
     </mc:Choice>
@@ -35395,151 +33468,6 @@
                                       </p:childTnLst>
                                     </p:cTn>
                                   </p:par>
-                                  <p:par>
-                                    <p:cTn id="21" presetID="41" presetClass="entr" presetSubtype="0" fill="hold" grpId="0" nodeType="withEffect">
-                                      <p:stCondLst>
-                                        <p:cond delay="250"/>
-                                      </p:stCondLst>
-                                      <p:iterate type="lt">
-                                        <p:tmPct val="10000"/>
-                                      </p:iterate>
-                                      <p:childTnLst>
-                                        <p:set>
-                                          <p:cBhvr>
-                                            <p:cTn id="22" dur="1" fill="hold">
-                                              <p:stCondLst>
-                                                <p:cond delay="0"/>
-                                              </p:stCondLst>
-                                            </p:cTn>
-                                            <p:tgtEl>
-                                              <p:spTgt spid="12"/>
-                                            </p:tgtEl>
-                                            <p:attrNameLst>
-                                              <p:attrName>style.visibility</p:attrName>
-                                            </p:attrNameLst>
-                                          </p:cBhvr>
-                                          <p:to>
-                                            <p:strVal val="visible"/>
-                                          </p:to>
-                                        </p:set>
-                                        <p:anim calcmode="lin" valueType="num">
-                                          <p:cBhvr>
-                                            <p:cTn id="23" dur="500" fill="hold"/>
-                                            <p:tgtEl>
-                                              <p:spTgt spid="12"/>
-                                            </p:tgtEl>
-                                            <p:attrNameLst>
-                                              <p:attrName>ppt_x</p:attrName>
-                                            </p:attrNameLst>
-                                          </p:cBhvr>
-                                          <p:tavLst>
-                                            <p:tav tm="0">
-                                              <p:val>
-                                                <p:strVal val="#ppt_x"/>
-                                              </p:val>
-                                            </p:tav>
-                                            <p:tav tm="50000">
-                                              <p:val>
-                                                <p:strVal val="#ppt_x+.1"/>
-                                              </p:val>
-                                            </p:tav>
-                                            <p:tav tm="100000">
-                                              <p:val>
-                                                <p:strVal val="#ppt_x"/>
-                                              </p:val>
-                                            </p:tav>
-                                          </p:tavLst>
-                                        </p:anim>
-                                        <p:anim calcmode="lin" valueType="num">
-                                          <p:cBhvr>
-                                            <p:cTn id="24" dur="500" fill="hold"/>
-                                            <p:tgtEl>
-                                              <p:spTgt spid="12"/>
-                                            </p:tgtEl>
-                                            <p:attrNameLst>
-                                              <p:attrName>ppt_y</p:attrName>
-                                            </p:attrNameLst>
-                                          </p:cBhvr>
-                                          <p:tavLst>
-                                            <p:tav tm="0">
-                                              <p:val>
-                                                <p:strVal val="#ppt_y"/>
-                                              </p:val>
-                                            </p:tav>
-                                            <p:tav tm="100000">
-                                              <p:val>
-                                                <p:strVal val="#ppt_y"/>
-                                              </p:val>
-                                            </p:tav>
-                                          </p:tavLst>
-                                        </p:anim>
-                                        <p:anim calcmode="lin" valueType="num">
-                                          <p:cBhvr>
-                                            <p:cTn id="25" dur="500" fill="hold"/>
-                                            <p:tgtEl>
-                                              <p:spTgt spid="12"/>
-                                            </p:tgtEl>
-                                            <p:attrNameLst>
-                                              <p:attrName>ppt_h</p:attrName>
-                                            </p:attrNameLst>
-                                          </p:cBhvr>
-                                          <p:tavLst>
-                                            <p:tav tm="0">
-                                              <p:val>
-                                                <p:strVal val="#ppt_h/10"/>
-                                              </p:val>
-                                            </p:tav>
-                                            <p:tav tm="50000">
-                                              <p:val>
-                                                <p:strVal val="#ppt_h+.01"/>
-                                              </p:val>
-                                            </p:tav>
-                                            <p:tav tm="100000">
-                                              <p:val>
-                                                <p:strVal val="#ppt_h"/>
-                                              </p:val>
-                                            </p:tav>
-                                          </p:tavLst>
-                                        </p:anim>
-                                        <p:anim calcmode="lin" valueType="num">
-                                          <p:cBhvr>
-                                            <p:cTn id="26" dur="500" fill="hold"/>
-                                            <p:tgtEl>
-                                              <p:spTgt spid="12"/>
-                                            </p:tgtEl>
-                                            <p:attrNameLst>
-                                              <p:attrName>ppt_w</p:attrName>
-                                            </p:attrNameLst>
-                                          </p:cBhvr>
-                                          <p:tavLst>
-                                            <p:tav tm="0">
-                                              <p:val>
-                                                <p:strVal val="#ppt_w/10"/>
-                                              </p:val>
-                                            </p:tav>
-                                            <p:tav tm="50000">
-                                              <p:val>
-                                                <p:strVal val="#ppt_w+.01"/>
-                                              </p:val>
-                                            </p:tav>
-                                            <p:tav tm="100000">
-                                              <p:val>
-                                                <p:strVal val="#ppt_w"/>
-                                              </p:val>
-                                            </p:tav>
-                                          </p:tavLst>
-                                        </p:anim>
-                                        <p:animEffect transition="in" filter="fade">
-                                          <p:cBhvr>
-                                            <p:cTn id="27" dur="500" tmFilter="0,0; .5, 1; 1, 1"/>
-                                            <p:tgtEl>
-                                              <p:spTgt spid="12"/>
-                                            </p:tgtEl>
-                                          </p:cBhvr>
-                                        </p:animEffect>
-                                      </p:childTnLst>
-                                    </p:cTn>
-                                  </p:par>
                                 </p:childTnLst>
                               </p:cTn>
                             </p:par>
@@ -35569,7 +33497,6 @@
         </p:tnLst>
         <p:bldLst>
           <p:bldP spid="11" grpId="0"/>
-          <p:bldP spid="12" grpId="0"/>
         </p:bldLst>
       </p:timing>
     </mc:Fallback>
